--- a/HILT - Programming Concepts III.pptx
+++ b/HILT - Programming Concepts III.pptx
@@ -6,7 +6,7 @@
     <p:sldMasterId id="2147483660" r:id="rId2"/>
   </p:sldMasterIdLst>
   <p:notesMasterIdLst>
-    <p:notesMasterId r:id="rId30"/>
+    <p:notesMasterId r:id="rId27"/>
   </p:notesMasterIdLst>
   <p:sldIdLst>
     <p:sldId id="256" r:id="rId3"/>
@@ -31,11 +31,8 @@
     <p:sldId id="275" r:id="rId22"/>
     <p:sldId id="276" r:id="rId23"/>
     <p:sldId id="284" r:id="rId24"/>
-    <p:sldId id="277" r:id="rId25"/>
-    <p:sldId id="279" r:id="rId26"/>
-    <p:sldId id="281" r:id="rId27"/>
-    <p:sldId id="282" r:id="rId28"/>
-    <p:sldId id="283" r:id="rId29"/>
+    <p:sldId id="279" r:id="rId25"/>
+    <p:sldId id="281" r:id="rId26"/>
   </p:sldIdLst>
   <p:sldSz cx="9144000" cy="6858000" type="screen4x3"/>
   <p:notesSz cx="6858000" cy="9144000"/>
@@ -2209,117 +2206,6 @@
   <p:cSld>
     <p:spTree>
       <p:nvGrpSpPr>
-        <p:cNvPr id="1" name="Shape 173"/>
-        <p:cNvGrpSpPr/>
-        <p:nvPr/>
-      </p:nvGrpSpPr>
-      <p:grpSpPr>
-        <a:xfrm>
-          <a:off x="0" y="0"/>
-          <a:ext cx="0" cy="0"/>
-          <a:chOff x="0" y="0"/>
-          <a:chExt cx="0" cy="0"/>
-        </a:xfrm>
-      </p:grpSpPr>
-      <p:sp>
-        <p:nvSpPr>
-          <p:cNvPr id="174" name="Shape 174"/>
-          <p:cNvSpPr>
-            <a:spLocks noGrp="1" noRot="1" noChangeAspect="1"/>
-          </p:cNvSpPr>
-          <p:nvPr>
-            <p:ph type="sldImg" idx="2"/>
-          </p:nvPr>
-        </p:nvSpPr>
-        <p:spPr>
-          <a:xfrm>
-            <a:off x="1143000" y="685800"/>
-            <a:ext cx="4572000" cy="3429000"/>
-          </a:xfrm>
-          <a:custGeom>
-            <a:avLst/>
-            <a:gdLst/>
-            <a:ahLst/>
-            <a:cxnLst/>
-            <a:rect l="0" t="0" r="0" b="0"/>
-            <a:pathLst>
-              <a:path w="120000" h="120000" extrusionOk="0">
-                <a:moveTo>
-                  <a:pt x="0" y="0"/>
-                </a:moveTo>
-                <a:lnTo>
-                  <a:pt x="120000" y="0"/>
-                </a:lnTo>
-                <a:lnTo>
-                  <a:pt x="120000" y="120000"/>
-                </a:lnTo>
-                <a:lnTo>
-                  <a:pt x="0" y="120000"/>
-                </a:lnTo>
-                <a:close/>
-              </a:path>
-            </a:pathLst>
-          </a:custGeom>
-          <a:noFill/>
-          <a:ln w="9525" cap="flat">
-            <a:solidFill>
-              <a:srgbClr val="000000"/>
-            </a:solidFill>
-            <a:prstDash val="solid"/>
-            <a:round/>
-            <a:headEnd type="none" w="med" len="med"/>
-            <a:tailEnd type="none" w="med" len="med"/>
-          </a:ln>
-        </p:spPr>
-      </p:sp>
-      <p:sp>
-        <p:nvSpPr>
-          <p:cNvPr id="175" name="Shape 175"/>
-          <p:cNvSpPr txBox="1">
-            <a:spLocks noGrp="1"/>
-          </p:cNvSpPr>
-          <p:nvPr>
-            <p:ph type="body" idx="1"/>
-          </p:nvPr>
-        </p:nvSpPr>
-        <p:spPr>
-          <a:xfrm>
-            <a:off x="685800" y="4343400"/>
-            <a:ext cx="5486399" cy="4114800"/>
-          </a:xfrm>
-          <a:prstGeom prst="rect">
-            <a:avLst/>
-          </a:prstGeom>
-        </p:spPr>
-        <p:txBody>
-          <a:bodyPr lIns="91425" tIns="91425" rIns="91425" bIns="91425" anchor="t" anchorCtr="0">
-            <a:noAutofit/>
-          </a:bodyPr>
-          <a:lstStyle/>
-          <a:p>
-            <a:pPr>
-              <a:spcBef>
-                <a:spcPts val="0"/>
-              </a:spcBef>
-              <a:buNone/>
-            </a:pPr>
-            <a:endParaRPr/>
-          </a:p>
-        </p:txBody>
-      </p:sp>
-    </p:spTree>
-  </p:cSld>
-  <p:clrMapOvr>
-    <a:masterClrMapping/>
-  </p:clrMapOvr>
-</p:notes>
-</file>
-
-<file path=ppt/notesSlides/notesSlide24.xml><?xml version="1.0" encoding="utf-8"?>
-<p:notes xmlns:a="http://schemas.openxmlformats.org/drawingml/2006/main" xmlns:r="http://schemas.openxmlformats.org/officeDocument/2006/relationships" xmlns:p="http://schemas.openxmlformats.org/presentationml/2006/main" showMasterSp="0" showMasterPhAnim="0">
-  <p:cSld>
-    <p:spTree>
-      <p:nvGrpSpPr>
         <p:cNvPr id="1" name="Shape 185"/>
         <p:cNvGrpSpPr/>
         <p:nvPr/>
@@ -2426,7 +2312,7 @@
 </p:notes>
 </file>
 
-<file path=ppt/notesSlides/notesSlide25.xml><?xml version="1.0" encoding="utf-8"?>
+<file path=ppt/notesSlides/notesSlide24.xml><?xml version="1.0" encoding="utf-8"?>
 <p:notes xmlns:a="http://schemas.openxmlformats.org/drawingml/2006/main" xmlns:r="http://schemas.openxmlformats.org/officeDocument/2006/relationships" xmlns:p="http://schemas.openxmlformats.org/presentationml/2006/main" showMasterSp="0" showMasterPhAnim="0">
   <p:cSld>
     <p:spTree>
@@ -2497,228 +2383,6 @@
       <p:sp>
         <p:nvSpPr>
           <p:cNvPr id="199" name="Shape 199"/>
-          <p:cNvSpPr txBox="1">
-            <a:spLocks noGrp="1"/>
-          </p:cNvSpPr>
-          <p:nvPr>
-            <p:ph type="body" idx="1"/>
-          </p:nvPr>
-        </p:nvSpPr>
-        <p:spPr>
-          <a:xfrm>
-            <a:off x="685800" y="4343400"/>
-            <a:ext cx="5486399" cy="4114800"/>
-          </a:xfrm>
-          <a:prstGeom prst="rect">
-            <a:avLst/>
-          </a:prstGeom>
-        </p:spPr>
-        <p:txBody>
-          <a:bodyPr lIns="91425" tIns="91425" rIns="91425" bIns="91425" anchor="t" anchorCtr="0">
-            <a:noAutofit/>
-          </a:bodyPr>
-          <a:lstStyle/>
-          <a:p>
-            <a:pPr>
-              <a:spcBef>
-                <a:spcPts val="0"/>
-              </a:spcBef>
-              <a:buNone/>
-            </a:pPr>
-            <a:endParaRPr/>
-          </a:p>
-        </p:txBody>
-      </p:sp>
-    </p:spTree>
-  </p:cSld>
-  <p:clrMapOvr>
-    <a:masterClrMapping/>
-  </p:clrMapOvr>
-</p:notes>
-</file>
-
-<file path=ppt/notesSlides/notesSlide26.xml><?xml version="1.0" encoding="utf-8"?>
-<p:notes xmlns:a="http://schemas.openxmlformats.org/drawingml/2006/main" xmlns:r="http://schemas.openxmlformats.org/officeDocument/2006/relationships" xmlns:p="http://schemas.openxmlformats.org/presentationml/2006/main" showMasterSp="0" showMasterPhAnim="0">
-  <p:cSld>
-    <p:spTree>
-      <p:nvGrpSpPr>
-        <p:cNvPr id="1" name="Shape 203"/>
-        <p:cNvGrpSpPr/>
-        <p:nvPr/>
-      </p:nvGrpSpPr>
-      <p:grpSpPr>
-        <a:xfrm>
-          <a:off x="0" y="0"/>
-          <a:ext cx="0" cy="0"/>
-          <a:chOff x="0" y="0"/>
-          <a:chExt cx="0" cy="0"/>
-        </a:xfrm>
-      </p:grpSpPr>
-      <p:sp>
-        <p:nvSpPr>
-          <p:cNvPr id="204" name="Shape 204"/>
-          <p:cNvSpPr>
-            <a:spLocks noGrp="1" noRot="1" noChangeAspect="1"/>
-          </p:cNvSpPr>
-          <p:nvPr>
-            <p:ph type="sldImg" idx="2"/>
-          </p:nvPr>
-        </p:nvSpPr>
-        <p:spPr>
-          <a:xfrm>
-            <a:off x="1143000" y="685800"/>
-            <a:ext cx="4572000" cy="3429000"/>
-          </a:xfrm>
-          <a:custGeom>
-            <a:avLst/>
-            <a:gdLst/>
-            <a:ahLst/>
-            <a:cxnLst/>
-            <a:rect l="0" t="0" r="0" b="0"/>
-            <a:pathLst>
-              <a:path w="120000" h="120000" extrusionOk="0">
-                <a:moveTo>
-                  <a:pt x="0" y="0"/>
-                </a:moveTo>
-                <a:lnTo>
-                  <a:pt x="120000" y="0"/>
-                </a:lnTo>
-                <a:lnTo>
-                  <a:pt x="120000" y="120000"/>
-                </a:lnTo>
-                <a:lnTo>
-                  <a:pt x="0" y="120000"/>
-                </a:lnTo>
-                <a:close/>
-              </a:path>
-            </a:pathLst>
-          </a:custGeom>
-          <a:noFill/>
-          <a:ln w="9525" cap="flat">
-            <a:solidFill>
-              <a:srgbClr val="000000"/>
-            </a:solidFill>
-            <a:prstDash val="solid"/>
-            <a:round/>
-            <a:headEnd type="none" w="med" len="med"/>
-            <a:tailEnd type="none" w="med" len="med"/>
-          </a:ln>
-        </p:spPr>
-      </p:sp>
-      <p:sp>
-        <p:nvSpPr>
-          <p:cNvPr id="205" name="Shape 205"/>
-          <p:cNvSpPr txBox="1">
-            <a:spLocks noGrp="1"/>
-          </p:cNvSpPr>
-          <p:nvPr>
-            <p:ph type="body" idx="1"/>
-          </p:nvPr>
-        </p:nvSpPr>
-        <p:spPr>
-          <a:xfrm>
-            <a:off x="685800" y="4343400"/>
-            <a:ext cx="5486399" cy="4114800"/>
-          </a:xfrm>
-          <a:prstGeom prst="rect">
-            <a:avLst/>
-          </a:prstGeom>
-        </p:spPr>
-        <p:txBody>
-          <a:bodyPr lIns="91425" tIns="91425" rIns="91425" bIns="91425" anchor="t" anchorCtr="0">
-            <a:noAutofit/>
-          </a:bodyPr>
-          <a:lstStyle/>
-          <a:p>
-            <a:pPr>
-              <a:spcBef>
-                <a:spcPts val="0"/>
-              </a:spcBef>
-              <a:buNone/>
-            </a:pPr>
-            <a:endParaRPr/>
-          </a:p>
-        </p:txBody>
-      </p:sp>
-    </p:spTree>
-  </p:cSld>
-  <p:clrMapOvr>
-    <a:masterClrMapping/>
-  </p:clrMapOvr>
-</p:notes>
-</file>
-
-<file path=ppt/notesSlides/notesSlide27.xml><?xml version="1.0" encoding="utf-8"?>
-<p:notes xmlns:a="http://schemas.openxmlformats.org/drawingml/2006/main" xmlns:r="http://schemas.openxmlformats.org/officeDocument/2006/relationships" xmlns:p="http://schemas.openxmlformats.org/presentationml/2006/main" showMasterSp="0" showMasterPhAnim="0">
-  <p:cSld>
-    <p:spTree>
-      <p:nvGrpSpPr>
-        <p:cNvPr id="1" name="Shape 209"/>
-        <p:cNvGrpSpPr/>
-        <p:nvPr/>
-      </p:nvGrpSpPr>
-      <p:grpSpPr>
-        <a:xfrm>
-          <a:off x="0" y="0"/>
-          <a:ext cx="0" cy="0"/>
-          <a:chOff x="0" y="0"/>
-          <a:chExt cx="0" cy="0"/>
-        </a:xfrm>
-      </p:grpSpPr>
-      <p:sp>
-        <p:nvSpPr>
-          <p:cNvPr id="210" name="Shape 210"/>
-          <p:cNvSpPr>
-            <a:spLocks noGrp="1" noRot="1" noChangeAspect="1"/>
-          </p:cNvSpPr>
-          <p:nvPr>
-            <p:ph type="sldImg" idx="2"/>
-          </p:nvPr>
-        </p:nvSpPr>
-        <p:spPr>
-          <a:xfrm>
-            <a:off x="1143000" y="685800"/>
-            <a:ext cx="4572000" cy="3429000"/>
-          </a:xfrm>
-          <a:custGeom>
-            <a:avLst/>
-            <a:gdLst/>
-            <a:ahLst/>
-            <a:cxnLst/>
-            <a:rect l="0" t="0" r="0" b="0"/>
-            <a:pathLst>
-              <a:path w="120000" h="120000" extrusionOk="0">
-                <a:moveTo>
-                  <a:pt x="0" y="0"/>
-                </a:moveTo>
-                <a:lnTo>
-                  <a:pt x="120000" y="0"/>
-                </a:lnTo>
-                <a:lnTo>
-                  <a:pt x="120000" y="120000"/>
-                </a:lnTo>
-                <a:lnTo>
-                  <a:pt x="0" y="120000"/>
-                </a:lnTo>
-                <a:close/>
-              </a:path>
-            </a:pathLst>
-          </a:custGeom>
-          <a:noFill/>
-          <a:ln w="9525" cap="flat">
-            <a:solidFill>
-              <a:srgbClr val="000000"/>
-            </a:solidFill>
-            <a:prstDash val="solid"/>
-            <a:round/>
-            <a:headEnd type="none" w="med" len="med"/>
-            <a:tailEnd type="none" w="med" len="med"/>
-          </a:ln>
-        </p:spPr>
-      </p:sp>
-      <p:sp>
-        <p:nvSpPr>
-          <p:cNvPr id="211" name="Shape 211"/>
           <p:cNvSpPr txBox="1">
             <a:spLocks noGrp="1"/>
           </p:cNvSpPr>
@@ -9932,6 +9596,30 @@
               <a:buNone/>
             </a:pPr>
             <a:r>
+              <a:rPr lang="en-US" sz="2000" dirty="0" err="1" smtClean="0">
+                <a:solidFill>
+                  <a:schemeClr val="tx1"/>
+                </a:solidFill>
+                <a:latin typeface="Menlo Regular"/>
+                <a:ea typeface="Menlo Regular"/>
+                <a:cs typeface="Menlo Regular"/>
+                <a:sym typeface="Courier New"/>
+              </a:rPr>
+              <a:t>ethan</a:t>
+            </a:r>
+            <a:r>
+              <a:rPr lang="en" sz="2000" dirty="0" smtClean="0">
+                <a:solidFill>
+                  <a:schemeClr val="tx1"/>
+                </a:solidFill>
+                <a:latin typeface="Menlo Regular"/>
+                <a:ea typeface="Menlo Regular"/>
+                <a:cs typeface="Menlo Regular"/>
+                <a:sym typeface="Courier New"/>
+              </a:rPr>
+              <a:t>s_coffee </a:t>
+            </a:r>
+            <a:r>
               <a:rPr lang="en" sz="2000" dirty="0">
                 <a:solidFill>
                   <a:schemeClr val="tx1"/>
@@ -9941,7 +9629,7 @@
                 <a:cs typeface="Menlo Regular"/>
                 <a:sym typeface="Courier New"/>
               </a:rPr>
-              <a:t>waynes_coffee = Coffee.new(</a:t>
+              <a:t>= Coffee.new(</a:t>
             </a:r>
             <a:r>
               <a:rPr lang="en" sz="2000" dirty="0">
@@ -14196,396 +13884,6 @@
   <p:cSld>
     <p:spTree>
       <p:nvGrpSpPr>
-        <p:cNvPr id="1" name="Shape 170"/>
-        <p:cNvGrpSpPr/>
-        <p:nvPr/>
-      </p:nvGrpSpPr>
-      <p:grpSpPr>
-        <a:xfrm>
-          <a:off x="0" y="0"/>
-          <a:ext cx="0" cy="0"/>
-          <a:chOff x="0" y="0"/>
-          <a:chExt cx="0" cy="0"/>
-        </a:xfrm>
-      </p:grpSpPr>
-      <p:sp>
-        <p:nvSpPr>
-          <p:cNvPr id="171" name="Shape 171"/>
-          <p:cNvSpPr txBox="1">
-            <a:spLocks noGrp="1"/>
-          </p:cNvSpPr>
-          <p:nvPr>
-            <p:ph type="title"/>
-          </p:nvPr>
-        </p:nvSpPr>
-        <p:spPr>
-          <a:xfrm>
-            <a:off x="457200" y="274637"/>
-            <a:ext cx="8229600" cy="1143000"/>
-          </a:xfrm>
-          <a:prstGeom prst="rect">
-            <a:avLst/>
-          </a:prstGeom>
-        </p:spPr>
-        <p:txBody>
-          <a:bodyPr lIns="91425" tIns="91425" rIns="91425" bIns="91425" anchor="b" anchorCtr="0">
-            <a:noAutofit/>
-          </a:bodyPr>
-          <a:lstStyle/>
-          <a:p>
-            <a:pPr>
-              <a:spcBef>
-                <a:spcPts val="0"/>
-              </a:spcBef>
-              <a:buNone/>
-            </a:pPr>
-            <a:r>
-              <a:rPr lang="en" sz="7200" dirty="0">
-                <a:solidFill>
-                  <a:srgbClr val="FF0000"/>
-                </a:solidFill>
-                <a:latin typeface="Yanone Kaffeesatz Bold"/>
-                <a:cs typeface="Yanone Kaffeesatz Bold"/>
-                <a:sym typeface="Ubuntu"/>
-              </a:rPr>
-              <a:t>Modules</a:t>
-            </a:r>
-          </a:p>
-        </p:txBody>
-      </p:sp>
-      <p:sp>
-        <p:nvSpPr>
-          <p:cNvPr id="172" name="Shape 172"/>
-          <p:cNvSpPr txBox="1">
-            <a:spLocks noGrp="1"/>
-          </p:cNvSpPr>
-          <p:nvPr>
-            <p:ph type="body" idx="1"/>
-          </p:nvPr>
-        </p:nvSpPr>
-        <p:spPr>
-          <a:xfrm>
-            <a:off x="457200" y="1600200"/>
-            <a:ext cx="8229600" cy="4967700"/>
-          </a:xfrm>
-          <a:prstGeom prst="rect">
-            <a:avLst/>
-          </a:prstGeom>
-        </p:spPr>
-        <p:txBody>
-          <a:bodyPr lIns="91425" tIns="91425" rIns="91425" bIns="91425" anchor="t" anchorCtr="0">
-            <a:noAutofit/>
-          </a:bodyPr>
-          <a:lstStyle/>
-          <a:p>
-            <a:pPr marL="457200" lvl="0" indent="-419100" rtl="0">
-              <a:spcBef>
-                <a:spcPts val="0"/>
-              </a:spcBef>
-              <a:buClr>
-                <a:schemeClr val="dk1"/>
-              </a:buClr>
-              <a:buSzPct val="100000"/>
-              <a:buFont typeface="Arial"/>
-              <a:buChar char="●"/>
-            </a:pPr>
-            <a:r>
-              <a:rPr lang="en" dirty="0">
-                <a:latin typeface="Open Sans"/>
-                <a:ea typeface="Open Sans"/>
-                <a:cs typeface="Open Sans"/>
-                <a:sym typeface="Open Sans"/>
-              </a:rPr>
-              <a:t>Group </a:t>
-            </a:r>
-            <a:r>
-              <a:rPr lang="en" b="1" dirty="0">
-                <a:solidFill>
-                  <a:srgbClr val="666666"/>
-                </a:solidFill>
-                <a:latin typeface="Open Sans"/>
-                <a:ea typeface="Open Sans"/>
-                <a:cs typeface="Open Sans"/>
-                <a:sym typeface="Open Sans"/>
-              </a:rPr>
-              <a:t>methods</a:t>
-            </a:r>
-            <a:r>
-              <a:rPr lang="en" dirty="0">
-                <a:latin typeface="Open Sans"/>
-                <a:ea typeface="Open Sans"/>
-                <a:cs typeface="Open Sans"/>
-                <a:sym typeface="Open Sans"/>
-              </a:rPr>
-              <a:t>, </a:t>
-            </a:r>
-            <a:r>
-              <a:rPr lang="en" b="1" dirty="0">
-                <a:solidFill>
-                  <a:srgbClr val="666666"/>
-                </a:solidFill>
-                <a:latin typeface="Open Sans"/>
-                <a:ea typeface="Open Sans"/>
-                <a:cs typeface="Open Sans"/>
-                <a:sym typeface="Open Sans"/>
-              </a:rPr>
-              <a:t>classes</a:t>
-            </a:r>
-            <a:r>
-              <a:rPr lang="en" dirty="0">
-                <a:latin typeface="Open Sans"/>
-                <a:ea typeface="Open Sans"/>
-                <a:cs typeface="Open Sans"/>
-                <a:sym typeface="Open Sans"/>
-              </a:rPr>
-              <a:t>, and </a:t>
-            </a:r>
-            <a:r>
-              <a:rPr lang="en" b="1" dirty="0">
-                <a:solidFill>
-                  <a:srgbClr val="666666"/>
-                </a:solidFill>
-                <a:latin typeface="Open Sans"/>
-                <a:ea typeface="Open Sans"/>
-                <a:cs typeface="Open Sans"/>
-                <a:sym typeface="Open Sans"/>
-              </a:rPr>
-              <a:t>constants</a:t>
-            </a:r>
-          </a:p>
-          <a:p>
-            <a:pPr marL="457200" lvl="0" indent="-419100" rtl="0">
-              <a:spcBef>
-                <a:spcPts val="0"/>
-              </a:spcBef>
-              <a:buClr>
-                <a:schemeClr val="dk1"/>
-              </a:buClr>
-              <a:buSzPct val="100000"/>
-              <a:buFont typeface="Arial"/>
-              <a:buChar char="●"/>
-            </a:pPr>
-            <a:r>
-              <a:rPr lang="en" b="1" dirty="0">
-                <a:solidFill>
-                  <a:srgbClr val="666666"/>
-                </a:solidFill>
-                <a:latin typeface="Open Sans"/>
-                <a:ea typeface="Open Sans"/>
-                <a:cs typeface="Open Sans"/>
-                <a:sym typeface="Open Sans"/>
-              </a:rPr>
-              <a:t>Namespace</a:t>
-            </a:r>
-            <a:r>
-              <a:rPr lang="en" dirty="0">
-                <a:solidFill>
-                  <a:srgbClr val="666666"/>
-                </a:solidFill>
-                <a:latin typeface="Open Sans"/>
-                <a:ea typeface="Open Sans"/>
-                <a:cs typeface="Open Sans"/>
-                <a:sym typeface="Open Sans"/>
-              </a:rPr>
-              <a:t> </a:t>
-            </a:r>
-            <a:r>
-              <a:rPr lang="en" dirty="0">
-                <a:latin typeface="Open Sans"/>
-                <a:ea typeface="Open Sans"/>
-                <a:cs typeface="Open Sans"/>
-                <a:sym typeface="Open Sans"/>
-              </a:rPr>
-              <a:t>to prevent name clashes</a:t>
-            </a:r>
-          </a:p>
-          <a:p>
-            <a:pPr marL="457200" lvl="0" indent="-419100" rtl="0">
-              <a:spcBef>
-                <a:spcPts val="0"/>
-              </a:spcBef>
-              <a:buClr>
-                <a:schemeClr val="dk1"/>
-              </a:buClr>
-              <a:buSzPct val="100000"/>
-              <a:buFont typeface="Arial"/>
-              <a:buChar char="●"/>
-            </a:pPr>
-            <a:r>
-              <a:rPr lang="en" dirty="0" smtClean="0">
-                <a:latin typeface="Open Sans"/>
-                <a:ea typeface="Open Sans"/>
-                <a:cs typeface="Open Sans"/>
-                <a:sym typeface="Open Sans"/>
-              </a:rPr>
-              <a:t>Declared </a:t>
-            </a:r>
-            <a:r>
-              <a:rPr lang="en" dirty="0">
-                <a:latin typeface="Open Sans"/>
-                <a:ea typeface="Open Sans"/>
-                <a:cs typeface="Open Sans"/>
-                <a:sym typeface="Open Sans"/>
-              </a:rPr>
-              <a:t>with </a:t>
-            </a:r>
-            <a:r>
-              <a:rPr lang="en" dirty="0">
-                <a:solidFill>
-                  <a:srgbClr val="344175"/>
-                </a:solidFill>
-                <a:latin typeface="Menlo Regular"/>
-                <a:ea typeface="Menlo Regular"/>
-                <a:cs typeface="Menlo Regular"/>
-                <a:sym typeface="Courier New"/>
-              </a:rPr>
-              <a:t>module</a:t>
-            </a:r>
-            <a:r>
-              <a:rPr lang="en" dirty="0">
-                <a:solidFill>
-                  <a:srgbClr val="344175"/>
-                </a:solidFill>
-                <a:latin typeface="Open Sans"/>
-                <a:ea typeface="Open Sans"/>
-                <a:cs typeface="Open Sans"/>
-                <a:sym typeface="Open Sans"/>
-              </a:rPr>
-              <a:t> </a:t>
-            </a:r>
-            <a:r>
-              <a:rPr lang="en" dirty="0">
-                <a:latin typeface="Open Sans"/>
-                <a:ea typeface="Open Sans"/>
-                <a:cs typeface="Open Sans"/>
-                <a:sym typeface="Open Sans"/>
-              </a:rPr>
-              <a:t>keyword</a:t>
-            </a:r>
-          </a:p>
-          <a:p>
-            <a:pPr lvl="0" rtl="0">
-              <a:spcBef>
-                <a:spcPts val="0"/>
-              </a:spcBef>
-              <a:buNone/>
-            </a:pPr>
-            <a:endParaRPr b="1" dirty="0">
-              <a:solidFill>
-                <a:srgbClr val="4A86E8"/>
-              </a:solidFill>
-              <a:latin typeface="Menlo Regular"/>
-              <a:ea typeface="Menlo Regular"/>
-              <a:cs typeface="Menlo Regular"/>
-              <a:sym typeface="Courier New"/>
-            </a:endParaRPr>
-          </a:p>
-          <a:p>
-            <a:pPr lvl="0" rtl="0">
-              <a:spcBef>
-                <a:spcPts val="0"/>
-              </a:spcBef>
-              <a:buNone/>
-            </a:pPr>
-            <a:r>
-              <a:rPr lang="en" dirty="0">
-                <a:solidFill>
-                  <a:schemeClr val="tx1"/>
-                </a:solidFill>
-                <a:latin typeface="Menlo Regular"/>
-                <a:ea typeface="Menlo Regular"/>
-                <a:cs typeface="Menlo Regular"/>
-                <a:sym typeface="Courier New"/>
-              </a:rPr>
-              <a:t>module </a:t>
-            </a:r>
-            <a:r>
-              <a:rPr lang="en-US" dirty="0" smtClean="0">
-                <a:solidFill>
-                  <a:schemeClr val="bg2"/>
-                </a:solidFill>
-                <a:latin typeface="Menlo Regular"/>
-                <a:ea typeface="Menlo Regular"/>
-                <a:cs typeface="Menlo Regular"/>
-                <a:sym typeface="Courier New"/>
-              </a:rPr>
-              <a:t>Hilt</a:t>
-            </a:r>
-            <a:endParaRPr lang="en" dirty="0">
-              <a:solidFill>
-                <a:schemeClr val="bg2"/>
-              </a:solidFill>
-              <a:latin typeface="Menlo Regular"/>
-              <a:ea typeface="Menlo Regular"/>
-              <a:cs typeface="Menlo Regular"/>
-              <a:sym typeface="Courier New"/>
-            </a:endParaRPr>
-          </a:p>
-          <a:p>
-            <a:pPr lvl="0" rtl="0">
-              <a:spcBef>
-                <a:spcPts val="0"/>
-              </a:spcBef>
-              <a:buNone/>
-            </a:pPr>
-            <a:r>
-              <a:rPr lang="en" dirty="0">
-                <a:solidFill>
-                  <a:schemeClr val="tx1"/>
-                </a:solidFill>
-                <a:latin typeface="Menlo Regular"/>
-                <a:ea typeface="Menlo Regular"/>
-                <a:cs typeface="Menlo Regular"/>
-                <a:sym typeface="Courier New"/>
-              </a:rPr>
-              <a:t>    ...</a:t>
-            </a:r>
-          </a:p>
-          <a:p>
-            <a:pPr lvl="0">
-              <a:spcBef>
-                <a:spcPts val="0"/>
-              </a:spcBef>
-              <a:buNone/>
-            </a:pPr>
-            <a:r>
-              <a:rPr lang="en" dirty="0">
-                <a:solidFill>
-                  <a:schemeClr val="tx1"/>
-                </a:solidFill>
-                <a:latin typeface="Menlo Regular"/>
-                <a:ea typeface="Menlo Regular"/>
-                <a:cs typeface="Menlo Regular"/>
-                <a:sym typeface="Courier New"/>
-              </a:rPr>
-              <a:t>end</a:t>
-            </a:r>
-          </a:p>
-        </p:txBody>
-      </p:sp>
-    </p:spTree>
-  </p:cSld>
-  <p:clrMapOvr>
-    <a:masterClrMapping/>
-  </p:clrMapOvr>
-  <p:transition xmlns:p14="http://schemas.microsoft.com/office/powerpoint/2010/main" spd="slow">
-    <p:cut/>
-  </p:transition>
-  <p:timing>
-    <p:tnLst>
-      <p:par>
-        <p:cTn xmlns:p14="http://schemas.microsoft.com/office/powerpoint/2010/main" id="1" dur="indefinite" restart="never" nodeType="tmRoot"/>
-      </p:par>
-    </p:tnLst>
-  </p:timing>
-</p:sld>
-</file>
-
-<file path=ppt/slides/slide24.xml><?xml version="1.0" encoding="utf-8"?>
-<p:sld xmlns:a="http://schemas.openxmlformats.org/drawingml/2006/main" xmlns:r="http://schemas.openxmlformats.org/officeDocument/2006/relationships" xmlns:p="http://schemas.openxmlformats.org/presentationml/2006/main">
-  <p:cSld>
-    <p:spTree>
-      <p:nvGrpSpPr>
         <p:cNvPr id="1" name="Shape 182"/>
         <p:cNvGrpSpPr/>
         <p:nvPr/>
@@ -14783,7 +14081,7 @@
 </p:sld>
 </file>
 
-<file path=ppt/slides/slide25.xml><?xml version="1.0" encoding="utf-8"?>
+<file path=ppt/slides/slide24.xml><?xml version="1.0" encoding="utf-8"?>
 <p:sld xmlns:a="http://schemas.openxmlformats.org/drawingml/2006/main" xmlns:r="http://schemas.openxmlformats.org/officeDocument/2006/relationships" xmlns:p="http://schemas.openxmlformats.org/presentationml/2006/main">
   <p:cSld>
     <p:spTree>
@@ -14859,523 +14157,6 @@
       </p:par>
     </p:tnLst>
   </p:timing>
-</p:sld>
-</file>
-
-<file path=ppt/slides/slide26.xml><?xml version="1.0" encoding="utf-8"?>
-<p:sld xmlns:a="http://schemas.openxmlformats.org/drawingml/2006/main" xmlns:r="http://schemas.openxmlformats.org/officeDocument/2006/relationships" xmlns:p="http://schemas.openxmlformats.org/presentationml/2006/main">
-  <p:cSld>
-    <p:spTree>
-      <p:nvGrpSpPr>
-        <p:cNvPr id="1" name="Shape 200"/>
-        <p:cNvGrpSpPr/>
-        <p:nvPr/>
-      </p:nvGrpSpPr>
-      <p:grpSpPr>
-        <a:xfrm>
-          <a:off x="0" y="0"/>
-          <a:ext cx="0" cy="0"/>
-          <a:chOff x="0" y="0"/>
-          <a:chExt cx="0" cy="0"/>
-        </a:xfrm>
-      </p:grpSpPr>
-      <p:sp>
-        <p:nvSpPr>
-          <p:cNvPr id="201" name="Shape 201"/>
-          <p:cNvSpPr txBox="1">
-            <a:spLocks noGrp="1"/>
-          </p:cNvSpPr>
-          <p:nvPr>
-            <p:ph type="title"/>
-          </p:nvPr>
-        </p:nvSpPr>
-        <p:spPr>
-          <a:xfrm>
-            <a:off x="457200" y="274637"/>
-            <a:ext cx="8229600" cy="1143000"/>
-          </a:xfrm>
-          <a:prstGeom prst="rect">
-            <a:avLst/>
-          </a:prstGeom>
-        </p:spPr>
-        <p:txBody>
-          <a:bodyPr lIns="91425" tIns="91425" rIns="91425" bIns="91425" anchor="b" anchorCtr="0">
-            <a:noAutofit/>
-          </a:bodyPr>
-          <a:lstStyle/>
-          <a:p>
-            <a:pPr>
-              <a:spcBef>
-                <a:spcPts val="0"/>
-              </a:spcBef>
-              <a:buNone/>
-            </a:pPr>
-            <a:r>
-              <a:rPr lang="en" sz="7200" dirty="0">
-                <a:solidFill>
-                  <a:srgbClr val="FF0000"/>
-                </a:solidFill>
-                <a:latin typeface="Yanone Kaffeesatz Bold"/>
-                <a:cs typeface="Yanone Kaffeesatz Bold"/>
-              </a:rPr>
-              <a:t>Afternoon (and beyond</a:t>
-            </a:r>
-            <a:r>
-              <a:rPr lang="en" sz="7200" dirty="0" smtClean="0">
-                <a:solidFill>
-                  <a:srgbClr val="FF0000"/>
-                </a:solidFill>
-                <a:latin typeface="Yanone Kaffeesatz Bold"/>
-                <a:cs typeface="Yanone Kaffeesatz Bold"/>
-              </a:rPr>
-              <a:t>)</a:t>
-            </a:r>
-            <a:endParaRPr lang="en" sz="7200" dirty="0">
-              <a:solidFill>
-                <a:srgbClr val="FF0000"/>
-              </a:solidFill>
-              <a:latin typeface="Yanone Kaffeesatz Bold"/>
-              <a:cs typeface="Yanone Kaffeesatz Bold"/>
-            </a:endParaRPr>
-          </a:p>
-        </p:txBody>
-      </p:sp>
-      <p:sp>
-        <p:nvSpPr>
-          <p:cNvPr id="202" name="Shape 202"/>
-          <p:cNvSpPr txBox="1">
-            <a:spLocks noGrp="1"/>
-          </p:cNvSpPr>
-          <p:nvPr>
-            <p:ph type="body" idx="1"/>
-          </p:nvPr>
-        </p:nvSpPr>
-        <p:spPr>
-          <a:xfrm>
-            <a:off x="457200" y="1600200"/>
-            <a:ext cx="8229600" cy="4967700"/>
-          </a:xfrm>
-          <a:prstGeom prst="rect">
-            <a:avLst/>
-          </a:prstGeom>
-        </p:spPr>
-        <p:txBody>
-          <a:bodyPr lIns="91425" tIns="91425" rIns="91425" bIns="91425" anchor="t" anchorCtr="0">
-            <a:noAutofit/>
-          </a:bodyPr>
-          <a:lstStyle/>
-          <a:p>
-            <a:pPr marL="457200" lvl="0" indent="-419100" rtl="0">
-              <a:spcBef>
-                <a:spcPts val="0"/>
-              </a:spcBef>
-              <a:buClr>
-                <a:schemeClr val="dk1"/>
-              </a:buClr>
-              <a:buSzPct val="100000"/>
-              <a:buFont typeface="Arial"/>
-              <a:buChar char="●"/>
-            </a:pPr>
-            <a:r>
-              <a:rPr lang="en-US" u="sng" dirty="0" smtClean="0">
-                <a:solidFill>
-                  <a:schemeClr val="hlink"/>
-                </a:solidFill>
-                <a:hlinkClick r:id="rId3"/>
-              </a:rPr>
-              <a:t>Ruby Exercises</a:t>
-            </a:r>
-            <a:r>
-              <a:rPr lang="en-US" u="sng" dirty="0" smtClean="0">
-                <a:solidFill>
-                  <a:schemeClr val="hlink"/>
-                </a:solidFill>
-              </a:rPr>
-              <a:t> I</a:t>
-            </a:r>
-          </a:p>
-          <a:p>
-            <a:pPr marL="457200" lvl="0" indent="-419100" rtl="0">
-              <a:spcBef>
-                <a:spcPts val="0"/>
-              </a:spcBef>
-              <a:buClr>
-                <a:schemeClr val="dk1"/>
-              </a:buClr>
-              <a:buSzPct val="100000"/>
-              <a:buFont typeface="Arial"/>
-              <a:buChar char="●"/>
-            </a:pPr>
-            <a:r>
-              <a:rPr lang="en-US" u="sng" dirty="0" smtClean="0">
-                <a:solidFill>
-                  <a:schemeClr val="hlink"/>
-                </a:solidFill>
-                <a:hlinkClick r:id="rId4"/>
-              </a:rPr>
-              <a:t>Ruby Exercises II</a:t>
-            </a:r>
-            <a:endParaRPr lang="en-US" u="sng" dirty="0" smtClean="0">
-              <a:solidFill>
-                <a:schemeClr val="hlink"/>
-              </a:solidFill>
-            </a:endParaRPr>
-          </a:p>
-          <a:p>
-            <a:pPr marL="457200" lvl="0" indent="-419100" rtl="0">
-              <a:spcBef>
-                <a:spcPts val="0"/>
-              </a:spcBef>
-              <a:buClr>
-                <a:schemeClr val="dk1"/>
-              </a:buClr>
-              <a:buSzPct val="100000"/>
-              <a:buFont typeface="Arial"/>
-              <a:buChar char="●"/>
-            </a:pPr>
-            <a:endParaRPr lang="en-US" u="sng" dirty="0">
-              <a:solidFill>
-                <a:schemeClr val="hlink"/>
-              </a:solidFill>
-            </a:endParaRPr>
-          </a:p>
-          <a:p>
-            <a:pPr marL="38100" lvl="0" rtl="0">
-              <a:spcBef>
-                <a:spcPts val="0"/>
-              </a:spcBef>
-              <a:buClr>
-                <a:schemeClr val="dk1"/>
-              </a:buClr>
-              <a:buSzPct val="100000"/>
-              <a:buNone/>
-            </a:pPr>
-            <a:r>
-              <a:rPr lang="en-US" sz="2800" dirty="0" smtClean="0">
-                <a:solidFill>
-                  <a:schemeClr val="tx1"/>
-                </a:solidFill>
-              </a:rPr>
-              <a:t>More</a:t>
-            </a:r>
-          </a:p>
-          <a:p>
-            <a:pPr marL="457200" lvl="0" indent="-419100" rtl="0">
-              <a:spcBef>
-                <a:spcPts val="0"/>
-              </a:spcBef>
-              <a:buClr>
-                <a:schemeClr val="dk1"/>
-              </a:buClr>
-              <a:buSzPct val="100000"/>
-              <a:buFont typeface="Arial"/>
-              <a:buChar char="●"/>
-            </a:pPr>
-            <a:r>
-              <a:rPr lang="en-US" u="sng" dirty="0" smtClean="0">
-                <a:solidFill>
-                  <a:schemeClr val="hlink"/>
-                </a:solidFill>
-              </a:rPr>
-              <a:t>Ruby in 100 Minutes</a:t>
-            </a:r>
-          </a:p>
-          <a:p>
-            <a:pPr marL="457200" lvl="0" indent="-419100" rtl="0">
-              <a:spcBef>
-                <a:spcPts val="0"/>
-              </a:spcBef>
-              <a:buClr>
-                <a:schemeClr val="dk1"/>
-              </a:buClr>
-              <a:buSzPct val="100000"/>
-              <a:buFont typeface="Arial"/>
-              <a:buChar char="●"/>
-            </a:pPr>
-            <a:r>
-              <a:rPr lang="en" u="sng" dirty="0" smtClean="0">
-                <a:solidFill>
-                  <a:schemeClr val="hlink"/>
-                </a:solidFill>
-                <a:hlinkClick r:id="rId5"/>
-              </a:rPr>
-              <a:t>Learn </a:t>
-            </a:r>
-            <a:r>
-              <a:rPr lang="en" u="sng" dirty="0">
-                <a:solidFill>
-                  <a:schemeClr val="hlink"/>
-                </a:solidFill>
-                <a:hlinkClick r:id="rId5"/>
-              </a:rPr>
-              <a:t>Ruby the Hard Way</a:t>
-            </a:r>
-          </a:p>
-          <a:p>
-            <a:pPr marL="457200" lvl="0" indent="-419100" rtl="0">
-              <a:spcBef>
-                <a:spcPts val="0"/>
-              </a:spcBef>
-              <a:buClr>
-                <a:schemeClr val="dk1"/>
-              </a:buClr>
-              <a:buSzPct val="100000"/>
-              <a:buFont typeface="Arial"/>
-              <a:buChar char="●"/>
-            </a:pPr>
-            <a:r>
-              <a:rPr lang="en" u="sng" dirty="0">
-                <a:solidFill>
-                  <a:schemeClr val="hlink"/>
-                </a:solidFill>
-                <a:hlinkClick r:id="rId6"/>
-              </a:rPr>
-              <a:t>Ruby Koans</a:t>
-            </a:r>
-          </a:p>
-        </p:txBody>
-      </p:sp>
-    </p:spTree>
-  </p:cSld>
-  <p:clrMapOvr>
-    <a:masterClrMapping/>
-  </p:clrMapOvr>
-  <p:transition xmlns:p14="http://schemas.microsoft.com/office/powerpoint/2010/main" spd="slow">
-    <p:cut/>
-  </p:transition>
-  <p:timing>
-    <p:tnLst>
-      <p:par>
-        <p:cTn xmlns:p14="http://schemas.microsoft.com/office/powerpoint/2010/main" id="1" dur="indefinite" restart="never" nodeType="tmRoot"/>
-      </p:par>
-    </p:tnLst>
-  </p:timing>
-</p:sld>
-</file>
-
-<file path=ppt/slides/slide27.xml><?xml version="1.0" encoding="utf-8"?>
-<p:sld xmlns:a="http://schemas.openxmlformats.org/drawingml/2006/main" xmlns:r="http://schemas.openxmlformats.org/officeDocument/2006/relationships" xmlns:p="http://schemas.openxmlformats.org/presentationml/2006/main">
-  <p:cSld>
-    <p:spTree>
-      <p:nvGrpSpPr>
-        <p:cNvPr id="1" name="Shape 206"/>
-        <p:cNvGrpSpPr/>
-        <p:nvPr/>
-      </p:nvGrpSpPr>
-      <p:grpSpPr>
-        <a:xfrm>
-          <a:off x="0" y="0"/>
-          <a:ext cx="0" cy="0"/>
-          <a:chOff x="0" y="0"/>
-          <a:chExt cx="0" cy="0"/>
-        </a:xfrm>
-      </p:grpSpPr>
-      <p:sp>
-        <p:nvSpPr>
-          <p:cNvPr id="207" name="Shape 207"/>
-          <p:cNvSpPr txBox="1">
-            <a:spLocks noGrp="1"/>
-          </p:cNvSpPr>
-          <p:nvPr>
-            <p:ph type="title"/>
-          </p:nvPr>
-        </p:nvSpPr>
-        <p:spPr>
-          <a:xfrm>
-            <a:off x="457200" y="274637"/>
-            <a:ext cx="8229600" cy="1143000"/>
-          </a:xfrm>
-          <a:prstGeom prst="rect">
-            <a:avLst/>
-          </a:prstGeom>
-        </p:spPr>
-        <p:txBody>
-          <a:bodyPr lIns="91425" tIns="91425" rIns="91425" bIns="91425" anchor="b" anchorCtr="0">
-            <a:noAutofit/>
-          </a:bodyPr>
-          <a:lstStyle/>
-          <a:p>
-            <a:pPr>
-              <a:spcBef>
-                <a:spcPts val="0"/>
-              </a:spcBef>
-              <a:buNone/>
-            </a:pPr>
-            <a:r>
-              <a:rPr lang="en" sz="7200" dirty="0">
-                <a:solidFill>
-                  <a:srgbClr val="FF0000"/>
-                </a:solidFill>
-                <a:latin typeface="Yanone Kaffeesatz Bold"/>
-                <a:cs typeface="Yanone Kaffeesatz Bold"/>
-              </a:rPr>
-              <a:t>I'm Stuck</a:t>
-            </a:r>
-          </a:p>
-        </p:txBody>
-      </p:sp>
-      <p:sp>
-        <p:nvSpPr>
-          <p:cNvPr id="208" name="Shape 208"/>
-          <p:cNvSpPr txBox="1">
-            <a:spLocks noGrp="1"/>
-          </p:cNvSpPr>
-          <p:nvPr>
-            <p:ph type="body" idx="1"/>
-          </p:nvPr>
-        </p:nvSpPr>
-        <p:spPr>
-          <a:xfrm>
-            <a:off x="457200" y="1600200"/>
-            <a:ext cx="8229600" cy="4967700"/>
-          </a:xfrm>
-          <a:prstGeom prst="rect">
-            <a:avLst/>
-          </a:prstGeom>
-        </p:spPr>
-        <p:txBody>
-          <a:bodyPr lIns="91425" tIns="91425" rIns="91425" bIns="91425" anchor="t" anchorCtr="0">
-            <a:noAutofit/>
-          </a:bodyPr>
-          <a:lstStyle/>
-          <a:p>
-            <a:pPr marL="457200" lvl="0" indent="-419100" rtl="0">
-              <a:spcBef>
-                <a:spcPts val="0"/>
-              </a:spcBef>
-              <a:buClr>
-                <a:schemeClr val="dk1"/>
-              </a:buClr>
-              <a:buSzPct val="100000"/>
-              <a:buFont typeface="Arial"/>
-              <a:buChar char="●"/>
-            </a:pPr>
-            <a:r>
-              <a:rPr lang="en" dirty="0"/>
-              <a:t>IRC </a:t>
-            </a:r>
-            <a:r>
-              <a:rPr lang="en" dirty="0" smtClean="0"/>
-              <a:t>(#</a:t>
-            </a:r>
-            <a:r>
-              <a:rPr lang="en-US" dirty="0" smtClean="0"/>
-              <a:t>hilt </a:t>
-            </a:r>
-            <a:r>
-              <a:rPr lang="en" dirty="0" smtClean="0"/>
-              <a:t>on </a:t>
-            </a:r>
-            <a:r>
-              <a:rPr lang="en" dirty="0"/>
-              <a:t>freenode)</a:t>
-            </a:r>
-          </a:p>
-          <a:p>
-            <a:pPr marL="457200" lvl="0" indent="-419100" rtl="0">
-              <a:spcBef>
-                <a:spcPts val="0"/>
-              </a:spcBef>
-              <a:buClr>
-                <a:schemeClr val="dk1"/>
-              </a:buClr>
-              <a:buSzPct val="100000"/>
-              <a:buFont typeface="Arial"/>
-              <a:buChar char="●"/>
-            </a:pPr>
-            <a:r>
-              <a:rPr lang="en" dirty="0"/>
-              <a:t>Ask someone around you</a:t>
-            </a:r>
-          </a:p>
-          <a:p>
-            <a:pPr marL="457200" lvl="0" indent="-419100" rtl="0">
-              <a:spcBef>
-                <a:spcPts val="0"/>
-              </a:spcBef>
-              <a:buClr>
-                <a:schemeClr val="dk1"/>
-              </a:buClr>
-              <a:buSzPct val="100000"/>
-              <a:buFont typeface="Arial"/>
-              <a:buChar char="●"/>
-            </a:pPr>
-            <a:r>
-              <a:rPr lang="en" dirty="0"/>
-              <a:t>Google</a:t>
-            </a:r>
-          </a:p>
-          <a:p>
-            <a:pPr marL="457200" lvl="0" indent="-419100">
-              <a:spcBef>
-                <a:spcPts val="0"/>
-              </a:spcBef>
-              <a:buClr>
-                <a:schemeClr val="dk1"/>
-              </a:buClr>
-              <a:buSzPct val="100000"/>
-              <a:buFont typeface="Arial"/>
-              <a:buChar char="●"/>
-            </a:pPr>
-            <a:r>
-              <a:rPr lang="en" dirty="0"/>
-              <a:t>Take a </a:t>
-            </a:r>
-            <a:r>
-              <a:rPr lang="en" dirty="0" smtClean="0"/>
-              <a:t>break</a:t>
-            </a:r>
-            <a:endParaRPr lang="en-US" dirty="0" smtClean="0"/>
-          </a:p>
-          <a:p>
-            <a:pPr marL="457200" lvl="0" indent="-419100">
-              <a:spcBef>
-                <a:spcPts val="0"/>
-              </a:spcBef>
-              <a:buClr>
-                <a:schemeClr val="dk1"/>
-              </a:buClr>
-              <a:buSzPct val="100000"/>
-              <a:buFont typeface="Arial"/>
-              <a:buChar char="●"/>
-            </a:pPr>
-            <a:r>
-              <a:rPr lang="en-US" dirty="0" smtClean="0"/>
-              <a:t>Raise your </a:t>
-            </a:r>
-            <a:r>
-              <a:rPr lang="en-US" dirty="0" smtClean="0"/>
-              <a:t>hand</a:t>
-            </a:r>
-          </a:p>
-          <a:p>
-            <a:pPr marL="457200" lvl="0" indent="-419100">
-              <a:spcBef>
-                <a:spcPts val="0"/>
-              </a:spcBef>
-              <a:buClr>
-                <a:schemeClr val="dk1"/>
-              </a:buClr>
-              <a:buSzPct val="100000"/>
-              <a:buFont typeface="Arial"/>
-              <a:buChar char="●"/>
-            </a:pPr>
-            <a:r>
-              <a:rPr lang="en-US" dirty="0" smtClean="0"/>
-              <a:t>Use your post it</a:t>
-            </a:r>
-            <a:endParaRPr lang="en" dirty="0"/>
-          </a:p>
-        </p:txBody>
-      </p:sp>
-    </p:spTree>
-  </p:cSld>
-  <p:clrMapOvr>
-    <a:masterClrMapping/>
-  </p:clrMapOvr>
-  <p:transition xmlns:p14="http://schemas.microsoft.com/office/powerpoint/2010/main" spd="slow">
-    <p:cut/>
-  </p:transition>
 </p:sld>
 </file>
 

--- a/HILT - Programming Concepts III.pptx
+++ b/HILT - Programming Concepts III.pptx
@@ -6,7 +6,7 @@
     <p:sldMasterId id="2147483660" r:id="rId2"/>
   </p:sldMasterIdLst>
   <p:notesMasterIdLst>
-    <p:notesMasterId r:id="rId27"/>
+    <p:notesMasterId r:id="rId25"/>
   </p:notesMasterIdLst>
   <p:sldIdLst>
     <p:sldId id="256" r:id="rId3"/>
@@ -29,10 +29,8 @@
     <p:sldId id="273" r:id="rId20"/>
     <p:sldId id="274" r:id="rId21"/>
     <p:sldId id="275" r:id="rId22"/>
-    <p:sldId id="276" r:id="rId23"/>
-    <p:sldId id="284" r:id="rId24"/>
-    <p:sldId id="279" r:id="rId25"/>
-    <p:sldId id="281" r:id="rId26"/>
+    <p:sldId id="279" r:id="rId23"/>
+    <p:sldId id="281" r:id="rId24"/>
   </p:sldIdLst>
   <p:sldSz cx="9144000" cy="6858000" type="screen4x3"/>
   <p:notesSz cx="6858000" cy="9144000"/>
@@ -1984,228 +1982,6 @@
   <p:cSld>
     <p:spTree>
       <p:nvGrpSpPr>
-        <p:cNvPr id="1" name="Shape 167"/>
-        <p:cNvGrpSpPr/>
-        <p:nvPr/>
-      </p:nvGrpSpPr>
-      <p:grpSpPr>
-        <a:xfrm>
-          <a:off x="0" y="0"/>
-          <a:ext cx="0" cy="0"/>
-          <a:chOff x="0" y="0"/>
-          <a:chExt cx="0" cy="0"/>
-        </a:xfrm>
-      </p:grpSpPr>
-      <p:sp>
-        <p:nvSpPr>
-          <p:cNvPr id="168" name="Shape 168"/>
-          <p:cNvSpPr>
-            <a:spLocks noGrp="1" noRot="1" noChangeAspect="1"/>
-          </p:cNvSpPr>
-          <p:nvPr>
-            <p:ph type="sldImg" idx="2"/>
-          </p:nvPr>
-        </p:nvSpPr>
-        <p:spPr>
-          <a:xfrm>
-            <a:off x="1143000" y="685800"/>
-            <a:ext cx="4572000" cy="3429000"/>
-          </a:xfrm>
-          <a:custGeom>
-            <a:avLst/>
-            <a:gdLst/>
-            <a:ahLst/>
-            <a:cxnLst/>
-            <a:rect l="0" t="0" r="0" b="0"/>
-            <a:pathLst>
-              <a:path w="120000" h="120000" extrusionOk="0">
-                <a:moveTo>
-                  <a:pt x="0" y="0"/>
-                </a:moveTo>
-                <a:lnTo>
-                  <a:pt x="120000" y="0"/>
-                </a:lnTo>
-                <a:lnTo>
-                  <a:pt x="120000" y="120000"/>
-                </a:lnTo>
-                <a:lnTo>
-                  <a:pt x="0" y="120000"/>
-                </a:lnTo>
-                <a:close/>
-              </a:path>
-            </a:pathLst>
-          </a:custGeom>
-          <a:noFill/>
-          <a:ln w="9525" cap="flat">
-            <a:solidFill>
-              <a:srgbClr val="000000"/>
-            </a:solidFill>
-            <a:prstDash val="solid"/>
-            <a:round/>
-            <a:headEnd type="none" w="med" len="med"/>
-            <a:tailEnd type="none" w="med" len="med"/>
-          </a:ln>
-        </p:spPr>
-      </p:sp>
-      <p:sp>
-        <p:nvSpPr>
-          <p:cNvPr id="169" name="Shape 169"/>
-          <p:cNvSpPr txBox="1">
-            <a:spLocks noGrp="1"/>
-          </p:cNvSpPr>
-          <p:nvPr>
-            <p:ph type="body" idx="1"/>
-          </p:nvPr>
-        </p:nvSpPr>
-        <p:spPr>
-          <a:xfrm>
-            <a:off x="685800" y="4343400"/>
-            <a:ext cx="5486399" cy="4114800"/>
-          </a:xfrm>
-          <a:prstGeom prst="rect">
-            <a:avLst/>
-          </a:prstGeom>
-        </p:spPr>
-        <p:txBody>
-          <a:bodyPr lIns="91425" tIns="91425" rIns="91425" bIns="91425" anchor="t" anchorCtr="0">
-            <a:noAutofit/>
-          </a:bodyPr>
-          <a:lstStyle/>
-          <a:p>
-            <a:pPr>
-              <a:spcBef>
-                <a:spcPts val="0"/>
-              </a:spcBef>
-              <a:buNone/>
-            </a:pPr>
-            <a:endParaRPr/>
-          </a:p>
-        </p:txBody>
-      </p:sp>
-    </p:spTree>
-  </p:cSld>
-  <p:clrMapOvr>
-    <a:masterClrMapping/>
-  </p:clrMapOvr>
-</p:notes>
-</file>
-
-<file path=ppt/notesSlides/notesSlide22.xml><?xml version="1.0" encoding="utf-8"?>
-<p:notes xmlns:a="http://schemas.openxmlformats.org/drawingml/2006/main" xmlns:r="http://schemas.openxmlformats.org/officeDocument/2006/relationships" xmlns:p="http://schemas.openxmlformats.org/presentationml/2006/main" showMasterSp="0" showMasterPhAnim="0">
-  <p:cSld>
-    <p:spTree>
-      <p:nvGrpSpPr>
-        <p:cNvPr id="1" name="Shape 167"/>
-        <p:cNvGrpSpPr/>
-        <p:nvPr/>
-      </p:nvGrpSpPr>
-      <p:grpSpPr>
-        <a:xfrm>
-          <a:off x="0" y="0"/>
-          <a:ext cx="0" cy="0"/>
-          <a:chOff x="0" y="0"/>
-          <a:chExt cx="0" cy="0"/>
-        </a:xfrm>
-      </p:grpSpPr>
-      <p:sp>
-        <p:nvSpPr>
-          <p:cNvPr id="168" name="Shape 168"/>
-          <p:cNvSpPr>
-            <a:spLocks noGrp="1" noRot="1" noChangeAspect="1"/>
-          </p:cNvSpPr>
-          <p:nvPr>
-            <p:ph type="sldImg" idx="2"/>
-          </p:nvPr>
-        </p:nvSpPr>
-        <p:spPr>
-          <a:xfrm>
-            <a:off x="1143000" y="685800"/>
-            <a:ext cx="4572000" cy="3429000"/>
-          </a:xfrm>
-          <a:custGeom>
-            <a:avLst/>
-            <a:gdLst/>
-            <a:ahLst/>
-            <a:cxnLst/>
-            <a:rect l="0" t="0" r="0" b="0"/>
-            <a:pathLst>
-              <a:path w="120000" h="120000" extrusionOk="0">
-                <a:moveTo>
-                  <a:pt x="0" y="0"/>
-                </a:moveTo>
-                <a:lnTo>
-                  <a:pt x="120000" y="0"/>
-                </a:lnTo>
-                <a:lnTo>
-                  <a:pt x="120000" y="120000"/>
-                </a:lnTo>
-                <a:lnTo>
-                  <a:pt x="0" y="120000"/>
-                </a:lnTo>
-                <a:close/>
-              </a:path>
-            </a:pathLst>
-          </a:custGeom>
-          <a:noFill/>
-          <a:ln w="9525" cap="flat">
-            <a:solidFill>
-              <a:srgbClr val="000000"/>
-            </a:solidFill>
-            <a:prstDash val="solid"/>
-            <a:round/>
-            <a:headEnd type="none" w="med" len="med"/>
-            <a:tailEnd type="none" w="med" len="med"/>
-          </a:ln>
-        </p:spPr>
-      </p:sp>
-      <p:sp>
-        <p:nvSpPr>
-          <p:cNvPr id="169" name="Shape 169"/>
-          <p:cNvSpPr txBox="1">
-            <a:spLocks noGrp="1"/>
-          </p:cNvSpPr>
-          <p:nvPr>
-            <p:ph type="body" idx="1"/>
-          </p:nvPr>
-        </p:nvSpPr>
-        <p:spPr>
-          <a:xfrm>
-            <a:off x="685800" y="4343400"/>
-            <a:ext cx="5486399" cy="4114800"/>
-          </a:xfrm>
-          <a:prstGeom prst="rect">
-            <a:avLst/>
-          </a:prstGeom>
-        </p:spPr>
-        <p:txBody>
-          <a:bodyPr lIns="91425" tIns="91425" rIns="91425" bIns="91425" anchor="t" anchorCtr="0">
-            <a:noAutofit/>
-          </a:bodyPr>
-          <a:lstStyle/>
-          <a:p>
-            <a:pPr>
-              <a:spcBef>
-                <a:spcPts val="0"/>
-              </a:spcBef>
-              <a:buNone/>
-            </a:pPr>
-            <a:endParaRPr/>
-          </a:p>
-        </p:txBody>
-      </p:sp>
-    </p:spTree>
-  </p:cSld>
-  <p:clrMapOvr>
-    <a:masterClrMapping/>
-  </p:clrMapOvr>
-</p:notes>
-</file>
-
-<file path=ppt/notesSlides/notesSlide23.xml><?xml version="1.0" encoding="utf-8"?>
-<p:notes xmlns:a="http://schemas.openxmlformats.org/drawingml/2006/main" xmlns:r="http://schemas.openxmlformats.org/officeDocument/2006/relationships" xmlns:p="http://schemas.openxmlformats.org/presentationml/2006/main" showMasterSp="0" showMasterPhAnim="0">
-  <p:cSld>
-    <p:spTree>
-      <p:nvGrpSpPr>
         <p:cNvPr id="1" name="Shape 185"/>
         <p:cNvGrpSpPr/>
         <p:nvPr/>
@@ -2312,7 +2088,7 @@
 </p:notes>
 </file>
 
-<file path=ppt/notesSlides/notesSlide24.xml><?xml version="1.0" encoding="utf-8"?>
+<file path=ppt/notesSlides/notesSlide22.xml><?xml version="1.0" encoding="utf-8"?>
 <p:notes xmlns:a="http://schemas.openxmlformats.org/drawingml/2006/main" xmlns:r="http://schemas.openxmlformats.org/officeDocument/2006/relationships" xmlns:p="http://schemas.openxmlformats.org/presentationml/2006/main" showMasterSp="0" showMasterPhAnim="0">
   <p:cSld>
     <p:spTree>
@@ -11838,2052 +11614,6 @@
   <p:cSld>
     <p:spTree>
       <p:nvGrpSpPr>
-        <p:cNvPr id="1" name="Shape 162"/>
-        <p:cNvGrpSpPr/>
-        <p:nvPr/>
-      </p:nvGrpSpPr>
-      <p:grpSpPr>
-        <a:xfrm>
-          <a:off x="0" y="0"/>
-          <a:ext cx="0" cy="0"/>
-          <a:chOff x="0" y="0"/>
-          <a:chExt cx="0" cy="0"/>
-        </a:xfrm>
-      </p:grpSpPr>
-      <p:sp>
-        <p:nvSpPr>
-          <p:cNvPr id="163" name="Shape 163"/>
-          <p:cNvSpPr txBox="1">
-            <a:spLocks noGrp="1"/>
-          </p:cNvSpPr>
-          <p:nvPr>
-            <p:ph type="title"/>
-          </p:nvPr>
-        </p:nvSpPr>
-        <p:spPr>
-          <a:xfrm>
-            <a:off x="457200" y="274637"/>
-            <a:ext cx="8229600" cy="1143000"/>
-          </a:xfrm>
-          <a:prstGeom prst="rect">
-            <a:avLst/>
-          </a:prstGeom>
-        </p:spPr>
-        <p:txBody>
-          <a:bodyPr lIns="91425" tIns="91425" rIns="91425" bIns="91425" anchor="b" anchorCtr="0">
-            <a:noAutofit/>
-          </a:bodyPr>
-          <a:lstStyle/>
-          <a:p>
-            <a:pPr>
-              <a:spcBef>
-                <a:spcPts val="0"/>
-              </a:spcBef>
-              <a:buNone/>
-            </a:pPr>
-            <a:r>
-              <a:rPr lang="en" sz="7200" dirty="0">
-                <a:solidFill>
-                  <a:srgbClr val="FF0000"/>
-                </a:solidFill>
-                <a:latin typeface="Yanone Kaffeesatz Bold"/>
-                <a:cs typeface="Yanone Kaffeesatz Bold"/>
-                <a:sym typeface="Ubuntu"/>
-              </a:rPr>
-              <a:t>Inheritance</a:t>
-            </a:r>
-          </a:p>
-        </p:txBody>
-      </p:sp>
-      <p:sp>
-        <p:nvSpPr>
-          <p:cNvPr id="164" name="Shape 164"/>
-          <p:cNvSpPr txBox="1">
-            <a:spLocks noGrp="1"/>
-          </p:cNvSpPr>
-          <p:nvPr>
-            <p:ph type="body" idx="1"/>
-          </p:nvPr>
-        </p:nvSpPr>
-        <p:spPr>
-          <a:xfrm>
-            <a:off x="457200" y="1127616"/>
-            <a:ext cx="3922500" cy="4967700"/>
-          </a:xfrm>
-          <a:prstGeom prst="rect">
-            <a:avLst/>
-          </a:prstGeom>
-        </p:spPr>
-        <p:txBody>
-          <a:bodyPr lIns="91425" tIns="91425" rIns="91425" bIns="91425" anchor="t" anchorCtr="0">
-            <a:noAutofit/>
-          </a:bodyPr>
-          <a:lstStyle/>
-          <a:p>
-            <a:pPr lvl="0" rtl="0">
-              <a:lnSpc>
-                <a:spcPct val="115000"/>
-              </a:lnSpc>
-              <a:spcBef>
-                <a:spcPts val="0"/>
-              </a:spcBef>
-              <a:buNone/>
-            </a:pPr>
-            <a:r>
-              <a:rPr lang="en" sz="1400" b="1" dirty="0">
-                <a:solidFill>
-                  <a:srgbClr val="000000"/>
-                </a:solidFill>
-                <a:latin typeface="Menlo Regular"/>
-                <a:ea typeface="Menlo Regular"/>
-                <a:cs typeface="Menlo Regular"/>
-                <a:sym typeface="Courier New"/>
-              </a:rPr>
-              <a:t>class</a:t>
-            </a:r>
-            <a:r>
-              <a:rPr lang="en" sz="1400" dirty="0">
-                <a:solidFill>
-                  <a:srgbClr val="000000"/>
-                </a:solidFill>
-                <a:latin typeface="Menlo Regular"/>
-                <a:ea typeface="Menlo Regular"/>
-                <a:cs typeface="Menlo Regular"/>
-                <a:sym typeface="Courier New"/>
-              </a:rPr>
-              <a:t> </a:t>
-            </a:r>
-            <a:r>
-              <a:rPr lang="en" sz="1400" b="1" dirty="0">
-                <a:solidFill>
-                  <a:srgbClr val="445588"/>
-                </a:solidFill>
-                <a:latin typeface="Menlo Regular"/>
-                <a:ea typeface="Menlo Regular"/>
-                <a:cs typeface="Menlo Regular"/>
-                <a:sym typeface="Courier New"/>
-              </a:rPr>
-              <a:t>Drink</a:t>
-            </a:r>
-          </a:p>
-          <a:p>
-            <a:pPr lvl="0" rtl="0">
-              <a:lnSpc>
-                <a:spcPct val="115000"/>
-              </a:lnSpc>
-              <a:spcBef>
-                <a:spcPts val="0"/>
-              </a:spcBef>
-              <a:buNone/>
-            </a:pPr>
-            <a:r>
-              <a:rPr lang="en" sz="1400" dirty="0">
-                <a:solidFill>
-                  <a:srgbClr val="000000"/>
-                </a:solidFill>
-                <a:latin typeface="Menlo Regular"/>
-                <a:ea typeface="Menlo Regular"/>
-                <a:cs typeface="Menlo Regular"/>
-                <a:sym typeface="Courier New"/>
-              </a:rPr>
-              <a:t>  </a:t>
-            </a:r>
-          </a:p>
-          <a:p>
-            <a:pPr lvl="0" rtl="0">
-              <a:lnSpc>
-                <a:spcPct val="115000"/>
-              </a:lnSpc>
-              <a:spcBef>
-                <a:spcPts val="0"/>
-              </a:spcBef>
-              <a:buNone/>
-            </a:pPr>
-            <a:r>
-              <a:rPr lang="en" sz="1400" dirty="0">
-                <a:solidFill>
-                  <a:srgbClr val="000000"/>
-                </a:solidFill>
-                <a:latin typeface="Menlo Regular"/>
-                <a:ea typeface="Menlo Regular"/>
-                <a:cs typeface="Menlo Regular"/>
-                <a:sym typeface="Courier New"/>
-              </a:rPr>
-              <a:t>  </a:t>
-            </a:r>
-            <a:r>
-              <a:rPr lang="en" sz="1400" b="1" dirty="0">
-                <a:solidFill>
-                  <a:srgbClr val="000000"/>
-                </a:solidFill>
-                <a:latin typeface="Menlo Regular"/>
-                <a:ea typeface="Menlo Regular"/>
-                <a:cs typeface="Menlo Regular"/>
-                <a:sym typeface="Courier New"/>
-              </a:rPr>
-              <a:t>def</a:t>
-            </a:r>
-            <a:r>
-              <a:rPr lang="en" sz="1400" dirty="0">
-                <a:solidFill>
-                  <a:srgbClr val="000000"/>
-                </a:solidFill>
-                <a:latin typeface="Menlo Regular"/>
-                <a:ea typeface="Menlo Regular"/>
-                <a:cs typeface="Menlo Regular"/>
-                <a:sym typeface="Courier New"/>
-              </a:rPr>
-              <a:t> </a:t>
-            </a:r>
-            <a:r>
-              <a:rPr lang="en" sz="1400" b="1" dirty="0">
-                <a:solidFill>
-                  <a:srgbClr val="990000"/>
-                </a:solidFill>
-                <a:latin typeface="Menlo Regular"/>
-                <a:ea typeface="Menlo Regular"/>
-                <a:cs typeface="Menlo Regular"/>
-                <a:sym typeface="Courier New"/>
-              </a:rPr>
-              <a:t>initialize</a:t>
-            </a:r>
-          </a:p>
-          <a:p>
-            <a:pPr lvl="0" rtl="0">
-              <a:lnSpc>
-                <a:spcPct val="115000"/>
-              </a:lnSpc>
-              <a:spcBef>
-                <a:spcPts val="0"/>
-              </a:spcBef>
-              <a:buNone/>
-            </a:pPr>
-            <a:r>
-              <a:rPr lang="en" sz="1400" dirty="0">
-                <a:solidFill>
-                  <a:srgbClr val="000000"/>
-                </a:solidFill>
-                <a:latin typeface="Menlo Regular"/>
-                <a:ea typeface="Menlo Regular"/>
-                <a:cs typeface="Menlo Regular"/>
-                <a:sym typeface="Courier New"/>
-              </a:rPr>
-              <a:t>    </a:t>
-            </a:r>
-            <a:r>
-              <a:rPr lang="en" sz="1400" dirty="0">
-                <a:solidFill>
-                  <a:srgbClr val="008080"/>
-                </a:solidFill>
-                <a:latin typeface="Menlo Regular"/>
-                <a:ea typeface="Menlo Regular"/>
-                <a:cs typeface="Menlo Regular"/>
-                <a:sym typeface="Courier New"/>
-              </a:rPr>
-              <a:t>@container</a:t>
-            </a:r>
-            <a:r>
-              <a:rPr lang="en" sz="1400" dirty="0">
-                <a:solidFill>
-                  <a:srgbClr val="000000"/>
-                </a:solidFill>
-                <a:latin typeface="Menlo Regular"/>
-                <a:ea typeface="Menlo Regular"/>
-                <a:cs typeface="Menlo Regular"/>
-                <a:sym typeface="Courier New"/>
-              </a:rPr>
-              <a:t> </a:t>
-            </a:r>
-            <a:r>
-              <a:rPr lang="en" sz="1400" b="1" dirty="0">
-                <a:solidFill>
-                  <a:srgbClr val="000000"/>
-                </a:solidFill>
-                <a:latin typeface="Menlo Regular"/>
-                <a:ea typeface="Menlo Regular"/>
-                <a:cs typeface="Menlo Regular"/>
-                <a:sym typeface="Courier New"/>
-              </a:rPr>
-              <a:t>=</a:t>
-            </a:r>
-            <a:r>
-              <a:rPr lang="en" sz="1400" dirty="0">
-                <a:solidFill>
-                  <a:srgbClr val="000000"/>
-                </a:solidFill>
-                <a:latin typeface="Menlo Regular"/>
-                <a:ea typeface="Menlo Regular"/>
-                <a:cs typeface="Menlo Regular"/>
-                <a:sym typeface="Courier New"/>
-              </a:rPr>
-              <a:t> </a:t>
-            </a:r>
-            <a:r>
-              <a:rPr lang="en" sz="1400" dirty="0">
-                <a:solidFill>
-                  <a:srgbClr val="DD1144"/>
-                </a:solidFill>
-                <a:latin typeface="Menlo Regular"/>
-                <a:ea typeface="Menlo Regular"/>
-                <a:cs typeface="Menlo Regular"/>
-                <a:sym typeface="Courier New"/>
-              </a:rPr>
-              <a:t>'can'</a:t>
-            </a:r>
-          </a:p>
-          <a:p>
-            <a:pPr lvl="0" rtl="0">
-              <a:lnSpc>
-                <a:spcPct val="115000"/>
-              </a:lnSpc>
-              <a:spcBef>
-                <a:spcPts val="0"/>
-              </a:spcBef>
-              <a:buNone/>
-            </a:pPr>
-            <a:r>
-              <a:rPr lang="en" sz="1400" dirty="0">
-                <a:solidFill>
-                  <a:srgbClr val="000000"/>
-                </a:solidFill>
-                <a:latin typeface="Menlo Regular"/>
-                <a:ea typeface="Menlo Regular"/>
-                <a:cs typeface="Menlo Regular"/>
-                <a:sym typeface="Courier New"/>
-              </a:rPr>
-              <a:t>    </a:t>
-            </a:r>
-            <a:r>
-              <a:rPr lang="en" sz="1400" dirty="0">
-                <a:solidFill>
-                  <a:srgbClr val="008080"/>
-                </a:solidFill>
-                <a:latin typeface="Menlo Regular"/>
-                <a:ea typeface="Menlo Regular"/>
-                <a:cs typeface="Menlo Regular"/>
-                <a:sym typeface="Courier New"/>
-              </a:rPr>
-              <a:t>@material</a:t>
-            </a:r>
-            <a:r>
-              <a:rPr lang="en" sz="1400" dirty="0">
-                <a:solidFill>
-                  <a:srgbClr val="000000"/>
-                </a:solidFill>
-                <a:latin typeface="Menlo Regular"/>
-                <a:ea typeface="Menlo Regular"/>
-                <a:cs typeface="Menlo Regular"/>
-                <a:sym typeface="Courier New"/>
-              </a:rPr>
-              <a:t> </a:t>
-            </a:r>
-            <a:r>
-              <a:rPr lang="en" sz="1400" b="1" dirty="0">
-                <a:solidFill>
-                  <a:srgbClr val="000000"/>
-                </a:solidFill>
-                <a:latin typeface="Menlo Regular"/>
-                <a:ea typeface="Menlo Regular"/>
-                <a:cs typeface="Menlo Regular"/>
-                <a:sym typeface="Courier New"/>
-              </a:rPr>
-              <a:t>=</a:t>
-            </a:r>
-            <a:r>
-              <a:rPr lang="en" sz="1400" dirty="0">
-                <a:solidFill>
-                  <a:srgbClr val="000000"/>
-                </a:solidFill>
-                <a:latin typeface="Menlo Regular"/>
-                <a:ea typeface="Menlo Regular"/>
-                <a:cs typeface="Menlo Regular"/>
-                <a:sym typeface="Courier New"/>
-              </a:rPr>
-              <a:t> </a:t>
-            </a:r>
-            <a:r>
-              <a:rPr lang="en" sz="1400" dirty="0">
-                <a:solidFill>
-                  <a:srgbClr val="DD1144"/>
-                </a:solidFill>
-                <a:latin typeface="Menlo Regular"/>
-                <a:ea typeface="Menlo Regular"/>
-                <a:cs typeface="Menlo Regular"/>
-                <a:sym typeface="Courier New"/>
-              </a:rPr>
-              <a:t>'aluminum'</a:t>
-            </a:r>
-          </a:p>
-          <a:p>
-            <a:pPr lvl="0" rtl="0">
-              <a:lnSpc>
-                <a:spcPct val="115000"/>
-              </a:lnSpc>
-              <a:spcBef>
-                <a:spcPts val="0"/>
-              </a:spcBef>
-              <a:buNone/>
-            </a:pPr>
-            <a:r>
-              <a:rPr lang="en" sz="1400" dirty="0">
-                <a:solidFill>
-                  <a:srgbClr val="000000"/>
-                </a:solidFill>
-                <a:latin typeface="Menlo Regular"/>
-                <a:ea typeface="Menlo Regular"/>
-                <a:cs typeface="Menlo Regular"/>
-                <a:sym typeface="Courier New"/>
-              </a:rPr>
-              <a:t>  </a:t>
-            </a:r>
-            <a:r>
-              <a:rPr lang="en" sz="1400" b="1" dirty="0">
-                <a:solidFill>
-                  <a:srgbClr val="000000"/>
-                </a:solidFill>
-                <a:latin typeface="Menlo Regular"/>
-                <a:ea typeface="Menlo Regular"/>
-                <a:cs typeface="Menlo Regular"/>
-                <a:sym typeface="Courier New"/>
-              </a:rPr>
-              <a:t>end</a:t>
-            </a:r>
-          </a:p>
-          <a:p>
-            <a:pPr lvl="0" rtl="0">
-              <a:lnSpc>
-                <a:spcPct val="115000"/>
-              </a:lnSpc>
-              <a:spcBef>
-                <a:spcPts val="0"/>
-              </a:spcBef>
-              <a:buNone/>
-            </a:pPr>
-            <a:r>
-              <a:rPr lang="en" sz="1400" dirty="0">
-                <a:solidFill>
-                  <a:srgbClr val="000000"/>
-                </a:solidFill>
-                <a:latin typeface="Menlo Regular"/>
-                <a:ea typeface="Menlo Regular"/>
-                <a:cs typeface="Menlo Regular"/>
-                <a:sym typeface="Courier New"/>
-              </a:rPr>
-              <a:t>  </a:t>
-            </a:r>
-          </a:p>
-          <a:p>
-            <a:pPr lvl="0" rtl="0">
-              <a:lnSpc>
-                <a:spcPct val="115000"/>
-              </a:lnSpc>
-              <a:spcBef>
-                <a:spcPts val="0"/>
-              </a:spcBef>
-              <a:buNone/>
-            </a:pPr>
-            <a:r>
-              <a:rPr lang="en" sz="1400" dirty="0">
-                <a:solidFill>
-                  <a:srgbClr val="000000"/>
-                </a:solidFill>
-                <a:latin typeface="Menlo Regular"/>
-                <a:ea typeface="Menlo Regular"/>
-                <a:cs typeface="Menlo Regular"/>
-                <a:sym typeface="Courier New"/>
-              </a:rPr>
-              <a:t>  </a:t>
-            </a:r>
-            <a:r>
-              <a:rPr lang="en" sz="1400" b="1" dirty="0">
-                <a:solidFill>
-                  <a:srgbClr val="000000"/>
-                </a:solidFill>
-                <a:latin typeface="Menlo Regular"/>
-                <a:ea typeface="Menlo Regular"/>
-                <a:cs typeface="Menlo Regular"/>
-                <a:sym typeface="Courier New"/>
-              </a:rPr>
-              <a:t>def</a:t>
-            </a:r>
-            <a:r>
-              <a:rPr lang="en" sz="1400" dirty="0">
-                <a:solidFill>
-                  <a:srgbClr val="000000"/>
-                </a:solidFill>
-                <a:latin typeface="Menlo Regular"/>
-                <a:ea typeface="Menlo Regular"/>
-                <a:cs typeface="Menlo Regular"/>
-                <a:sym typeface="Courier New"/>
-              </a:rPr>
-              <a:t> </a:t>
-            </a:r>
-            <a:r>
-              <a:rPr lang="en" sz="1400" b="1" dirty="0">
-                <a:solidFill>
-                  <a:srgbClr val="990000"/>
-                </a:solidFill>
-                <a:latin typeface="Menlo Regular"/>
-                <a:ea typeface="Menlo Regular"/>
-                <a:cs typeface="Menlo Regular"/>
-                <a:sym typeface="Courier New"/>
-              </a:rPr>
-              <a:t>get_container</a:t>
-            </a:r>
-          </a:p>
-          <a:p>
-            <a:pPr lvl="0" rtl="0">
-              <a:lnSpc>
-                <a:spcPct val="115000"/>
-              </a:lnSpc>
-              <a:spcBef>
-                <a:spcPts val="0"/>
-              </a:spcBef>
-              <a:buNone/>
-            </a:pPr>
-            <a:r>
-              <a:rPr lang="en" sz="1400" dirty="0">
-                <a:solidFill>
-                  <a:srgbClr val="000000"/>
-                </a:solidFill>
-                <a:latin typeface="Menlo Regular"/>
-                <a:ea typeface="Menlo Regular"/>
-                <a:cs typeface="Menlo Regular"/>
-                <a:sym typeface="Courier New"/>
-              </a:rPr>
-              <a:t>    </a:t>
-            </a:r>
-            <a:r>
-              <a:rPr lang="en" sz="1400" dirty="0">
-                <a:solidFill>
-                  <a:srgbClr val="008080"/>
-                </a:solidFill>
-                <a:latin typeface="Menlo Regular"/>
-                <a:ea typeface="Menlo Regular"/>
-                <a:cs typeface="Menlo Regular"/>
-                <a:sym typeface="Courier New"/>
-              </a:rPr>
-              <a:t>@container</a:t>
-            </a:r>
-          </a:p>
-          <a:p>
-            <a:pPr lvl="0" rtl="0">
-              <a:lnSpc>
-                <a:spcPct val="115000"/>
-              </a:lnSpc>
-              <a:spcBef>
-                <a:spcPts val="0"/>
-              </a:spcBef>
-              <a:buNone/>
-            </a:pPr>
-            <a:r>
-              <a:rPr lang="en" sz="1400" dirty="0">
-                <a:solidFill>
-                  <a:srgbClr val="000000"/>
-                </a:solidFill>
-                <a:latin typeface="Menlo Regular"/>
-                <a:ea typeface="Menlo Regular"/>
-                <a:cs typeface="Menlo Regular"/>
-                <a:sym typeface="Courier New"/>
-              </a:rPr>
-              <a:t>  </a:t>
-            </a:r>
-            <a:r>
-              <a:rPr lang="en" sz="1400" b="1" dirty="0">
-                <a:solidFill>
-                  <a:srgbClr val="000000"/>
-                </a:solidFill>
-                <a:latin typeface="Menlo Regular"/>
-                <a:ea typeface="Menlo Regular"/>
-                <a:cs typeface="Menlo Regular"/>
-                <a:sym typeface="Courier New"/>
-              </a:rPr>
-              <a:t>end</a:t>
-            </a:r>
-          </a:p>
-          <a:p>
-            <a:pPr lvl="0" rtl="0">
-              <a:lnSpc>
-                <a:spcPct val="115000"/>
-              </a:lnSpc>
-              <a:spcBef>
-                <a:spcPts val="0"/>
-              </a:spcBef>
-              <a:buNone/>
-            </a:pPr>
-            <a:r>
-              <a:rPr lang="en" sz="1400" dirty="0">
-                <a:solidFill>
-                  <a:srgbClr val="000000"/>
-                </a:solidFill>
-                <a:latin typeface="Menlo Regular"/>
-                <a:ea typeface="Menlo Regular"/>
-                <a:cs typeface="Menlo Regular"/>
-                <a:sym typeface="Courier New"/>
-              </a:rPr>
-              <a:t>  </a:t>
-            </a:r>
-          </a:p>
-          <a:p>
-            <a:pPr lvl="0" rtl="0">
-              <a:lnSpc>
-                <a:spcPct val="115000"/>
-              </a:lnSpc>
-              <a:spcBef>
-                <a:spcPts val="0"/>
-              </a:spcBef>
-              <a:buNone/>
-            </a:pPr>
-            <a:r>
-              <a:rPr lang="en" sz="1400" dirty="0">
-                <a:solidFill>
-                  <a:srgbClr val="000000"/>
-                </a:solidFill>
-                <a:latin typeface="Menlo Regular"/>
-                <a:ea typeface="Menlo Regular"/>
-                <a:cs typeface="Menlo Regular"/>
-                <a:sym typeface="Courier New"/>
-              </a:rPr>
-              <a:t>  </a:t>
-            </a:r>
-            <a:r>
-              <a:rPr lang="en" sz="1400" b="1" dirty="0">
-                <a:solidFill>
-                  <a:srgbClr val="000000"/>
-                </a:solidFill>
-                <a:latin typeface="Menlo Regular"/>
-                <a:ea typeface="Menlo Regular"/>
-                <a:cs typeface="Menlo Regular"/>
-                <a:sym typeface="Courier New"/>
-              </a:rPr>
-              <a:t>def</a:t>
-            </a:r>
-            <a:r>
-              <a:rPr lang="en" sz="1400" dirty="0">
-                <a:solidFill>
-                  <a:srgbClr val="000000"/>
-                </a:solidFill>
-                <a:latin typeface="Menlo Regular"/>
-                <a:ea typeface="Menlo Regular"/>
-                <a:cs typeface="Menlo Regular"/>
-                <a:sym typeface="Courier New"/>
-              </a:rPr>
-              <a:t> </a:t>
-            </a:r>
-            <a:r>
-              <a:rPr lang="en" sz="1400" b="1" dirty="0">
-                <a:solidFill>
-                  <a:srgbClr val="990000"/>
-                </a:solidFill>
-                <a:latin typeface="Menlo Regular"/>
-                <a:ea typeface="Menlo Regular"/>
-                <a:cs typeface="Menlo Regular"/>
-                <a:sym typeface="Courier New"/>
-              </a:rPr>
-              <a:t>get_material</a:t>
-            </a:r>
-          </a:p>
-          <a:p>
-            <a:pPr lvl="0" rtl="0">
-              <a:lnSpc>
-                <a:spcPct val="115000"/>
-              </a:lnSpc>
-              <a:spcBef>
-                <a:spcPts val="0"/>
-              </a:spcBef>
-              <a:buNone/>
-            </a:pPr>
-            <a:r>
-              <a:rPr lang="en" sz="1400" dirty="0">
-                <a:solidFill>
-                  <a:srgbClr val="000000"/>
-                </a:solidFill>
-                <a:latin typeface="Menlo Regular"/>
-                <a:ea typeface="Menlo Regular"/>
-                <a:cs typeface="Menlo Regular"/>
-                <a:sym typeface="Courier New"/>
-              </a:rPr>
-              <a:t>    </a:t>
-            </a:r>
-            <a:r>
-              <a:rPr lang="en" sz="1400" dirty="0">
-                <a:solidFill>
-                  <a:srgbClr val="008080"/>
-                </a:solidFill>
-                <a:latin typeface="Menlo Regular"/>
-                <a:ea typeface="Menlo Regular"/>
-                <a:cs typeface="Menlo Regular"/>
-                <a:sym typeface="Courier New"/>
-              </a:rPr>
-              <a:t>@material</a:t>
-            </a:r>
-          </a:p>
-          <a:p>
-            <a:pPr lvl="0" rtl="0">
-              <a:lnSpc>
-                <a:spcPct val="115000"/>
-              </a:lnSpc>
-              <a:spcBef>
-                <a:spcPts val="0"/>
-              </a:spcBef>
-              <a:buNone/>
-            </a:pPr>
-            <a:r>
-              <a:rPr lang="en" sz="1400" dirty="0">
-                <a:solidFill>
-                  <a:srgbClr val="000000"/>
-                </a:solidFill>
-                <a:latin typeface="Menlo Regular"/>
-                <a:ea typeface="Menlo Regular"/>
-                <a:cs typeface="Menlo Regular"/>
-                <a:sym typeface="Courier New"/>
-              </a:rPr>
-              <a:t>  </a:t>
-            </a:r>
-            <a:r>
-              <a:rPr lang="en" sz="1400" b="1" dirty="0">
-                <a:solidFill>
-                  <a:srgbClr val="000000"/>
-                </a:solidFill>
-                <a:latin typeface="Menlo Regular"/>
-                <a:ea typeface="Menlo Regular"/>
-                <a:cs typeface="Menlo Regular"/>
-                <a:sym typeface="Courier New"/>
-              </a:rPr>
-              <a:t>end</a:t>
-            </a:r>
-          </a:p>
-          <a:p>
-            <a:pPr lvl="0" rtl="0">
-              <a:lnSpc>
-                <a:spcPct val="115000"/>
-              </a:lnSpc>
-              <a:spcBef>
-                <a:spcPts val="0"/>
-              </a:spcBef>
-              <a:buNone/>
-            </a:pPr>
-            <a:r>
-              <a:rPr lang="en" sz="1400" dirty="0">
-                <a:solidFill>
-                  <a:srgbClr val="000000"/>
-                </a:solidFill>
-                <a:latin typeface="Menlo Regular"/>
-                <a:ea typeface="Menlo Regular"/>
-                <a:cs typeface="Menlo Regular"/>
-                <a:sym typeface="Courier New"/>
-              </a:rPr>
-              <a:t>  </a:t>
-            </a:r>
-          </a:p>
-          <a:p>
-            <a:pPr lvl="0" rtl="0">
-              <a:lnSpc>
-                <a:spcPct val="115000"/>
-              </a:lnSpc>
-              <a:spcBef>
-                <a:spcPts val="0"/>
-              </a:spcBef>
-              <a:buNone/>
-            </a:pPr>
-            <a:r>
-              <a:rPr lang="en" sz="1400" b="1" dirty="0">
-                <a:solidFill>
-                  <a:srgbClr val="000000"/>
-                </a:solidFill>
-                <a:latin typeface="Menlo Regular"/>
-                <a:ea typeface="Menlo Regular"/>
-                <a:cs typeface="Menlo Regular"/>
-                <a:sym typeface="Courier New"/>
-              </a:rPr>
-              <a:t>end</a:t>
-            </a:r>
-          </a:p>
-          <a:p>
-            <a:pPr>
-              <a:spcBef>
-                <a:spcPts val="0"/>
-              </a:spcBef>
-              <a:buNone/>
-            </a:pPr>
-            <a:endParaRPr dirty="0"/>
-          </a:p>
-        </p:txBody>
-      </p:sp>
-      <p:sp>
-        <p:nvSpPr>
-          <p:cNvPr id="165" name="Shape 165"/>
-          <p:cNvSpPr txBox="1">
-            <a:spLocks noGrp="1"/>
-          </p:cNvSpPr>
-          <p:nvPr>
-            <p:ph type="body" idx="2"/>
-          </p:nvPr>
-        </p:nvSpPr>
-        <p:spPr>
-          <a:xfrm>
-            <a:off x="4764300" y="1147615"/>
-            <a:ext cx="3922500" cy="4967700"/>
-          </a:xfrm>
-          <a:prstGeom prst="rect">
-            <a:avLst/>
-          </a:prstGeom>
-        </p:spPr>
-        <p:txBody>
-          <a:bodyPr lIns="91425" tIns="91425" rIns="91425" bIns="91425" anchor="t" anchorCtr="0">
-            <a:noAutofit/>
-          </a:bodyPr>
-          <a:lstStyle/>
-          <a:p>
-            <a:pPr lvl="0" rtl="0">
-              <a:lnSpc>
-                <a:spcPct val="115000"/>
-              </a:lnSpc>
-              <a:spcBef>
-                <a:spcPts val="0"/>
-              </a:spcBef>
-              <a:buNone/>
-            </a:pPr>
-            <a:r>
-              <a:rPr lang="en" sz="1400" b="1" dirty="0">
-                <a:solidFill>
-                  <a:srgbClr val="000000"/>
-                </a:solidFill>
-                <a:latin typeface="Menlo Regular"/>
-                <a:ea typeface="Menlo Regular"/>
-                <a:cs typeface="Menlo Regular"/>
-                <a:sym typeface="Courier New"/>
-              </a:rPr>
-              <a:t>class</a:t>
-            </a:r>
-            <a:r>
-              <a:rPr lang="en" sz="1400" dirty="0">
-                <a:solidFill>
-                  <a:srgbClr val="000000"/>
-                </a:solidFill>
-                <a:latin typeface="Menlo Regular"/>
-                <a:ea typeface="Menlo Regular"/>
-                <a:cs typeface="Menlo Regular"/>
-                <a:sym typeface="Courier New"/>
-              </a:rPr>
-              <a:t> </a:t>
-            </a:r>
-            <a:r>
-              <a:rPr lang="en" sz="1400" b="1" dirty="0">
-                <a:solidFill>
-                  <a:srgbClr val="445588"/>
-                </a:solidFill>
-                <a:latin typeface="Menlo Regular"/>
-                <a:ea typeface="Menlo Regular"/>
-                <a:cs typeface="Menlo Regular"/>
-                <a:sym typeface="Courier New"/>
-              </a:rPr>
-              <a:t>Coffee &lt; Drink</a:t>
-            </a:r>
-          </a:p>
-          <a:p>
-            <a:pPr lvl="0" rtl="0">
-              <a:lnSpc>
-                <a:spcPct val="115000"/>
-              </a:lnSpc>
-              <a:spcBef>
-                <a:spcPts val="0"/>
-              </a:spcBef>
-              <a:buNone/>
-            </a:pPr>
-            <a:r>
-              <a:rPr lang="en" sz="1400" dirty="0">
-                <a:solidFill>
-                  <a:srgbClr val="000000"/>
-                </a:solidFill>
-                <a:latin typeface="Menlo Regular"/>
-                <a:ea typeface="Menlo Regular"/>
-                <a:cs typeface="Menlo Regular"/>
-                <a:sym typeface="Courier New"/>
-              </a:rPr>
-              <a:t>  </a:t>
-            </a:r>
-          </a:p>
-          <a:p>
-            <a:pPr lvl="0" rtl="0">
-              <a:lnSpc>
-                <a:spcPct val="115000"/>
-              </a:lnSpc>
-              <a:spcBef>
-                <a:spcPts val="0"/>
-              </a:spcBef>
-              <a:buNone/>
-            </a:pPr>
-            <a:r>
-              <a:rPr lang="en" sz="1400" dirty="0">
-                <a:solidFill>
-                  <a:srgbClr val="000000"/>
-                </a:solidFill>
-                <a:latin typeface="Menlo Regular"/>
-                <a:ea typeface="Menlo Regular"/>
-                <a:cs typeface="Menlo Regular"/>
-                <a:sym typeface="Courier New"/>
-              </a:rPr>
-              <a:t>  </a:t>
-            </a:r>
-            <a:r>
-              <a:rPr lang="en" sz="1400" b="1" dirty="0">
-                <a:solidFill>
-                  <a:srgbClr val="000000"/>
-                </a:solidFill>
-                <a:latin typeface="Menlo Regular"/>
-                <a:ea typeface="Menlo Regular"/>
-                <a:cs typeface="Menlo Regular"/>
-                <a:sym typeface="Courier New"/>
-              </a:rPr>
-              <a:t>def</a:t>
-            </a:r>
-            <a:r>
-              <a:rPr lang="en" sz="1400" dirty="0">
-                <a:solidFill>
-                  <a:srgbClr val="000000"/>
-                </a:solidFill>
-                <a:latin typeface="Menlo Regular"/>
-                <a:ea typeface="Menlo Regular"/>
-                <a:cs typeface="Menlo Regular"/>
-                <a:sym typeface="Courier New"/>
-              </a:rPr>
-              <a:t> </a:t>
-            </a:r>
-            <a:r>
-              <a:rPr lang="en" sz="1400" b="1" dirty="0">
-                <a:solidFill>
-                  <a:srgbClr val="990000"/>
-                </a:solidFill>
-                <a:latin typeface="Menlo Regular"/>
-                <a:ea typeface="Menlo Regular"/>
-                <a:cs typeface="Menlo Regular"/>
-                <a:sym typeface="Courier New"/>
-              </a:rPr>
-              <a:t>initialize</a:t>
-            </a:r>
-          </a:p>
-          <a:p>
-            <a:pPr lvl="0" rtl="0">
-              <a:lnSpc>
-                <a:spcPct val="115000"/>
-              </a:lnSpc>
-              <a:spcBef>
-                <a:spcPts val="0"/>
-              </a:spcBef>
-              <a:buNone/>
-            </a:pPr>
-            <a:r>
-              <a:rPr lang="en" sz="1400" dirty="0">
-                <a:solidFill>
-                  <a:srgbClr val="000000"/>
-                </a:solidFill>
-                <a:latin typeface="Menlo Regular"/>
-                <a:ea typeface="Menlo Regular"/>
-                <a:cs typeface="Menlo Regular"/>
-                <a:sym typeface="Courier New"/>
-              </a:rPr>
-              <a:t>    </a:t>
-            </a:r>
-            <a:r>
-              <a:rPr lang="en" sz="1400" dirty="0">
-                <a:solidFill>
-                  <a:srgbClr val="008080"/>
-                </a:solidFill>
-                <a:latin typeface="Menlo Regular"/>
-                <a:ea typeface="Menlo Regular"/>
-                <a:cs typeface="Menlo Regular"/>
-                <a:sym typeface="Courier New"/>
-              </a:rPr>
-              <a:t>@container</a:t>
-            </a:r>
-            <a:r>
-              <a:rPr lang="en" sz="1400" dirty="0">
-                <a:solidFill>
-                  <a:srgbClr val="000000"/>
-                </a:solidFill>
-                <a:latin typeface="Menlo Regular"/>
-                <a:ea typeface="Menlo Regular"/>
-                <a:cs typeface="Menlo Regular"/>
-                <a:sym typeface="Courier New"/>
-              </a:rPr>
-              <a:t> </a:t>
-            </a:r>
-            <a:r>
-              <a:rPr lang="en" sz="1400" b="1" dirty="0">
-                <a:solidFill>
-                  <a:srgbClr val="000000"/>
-                </a:solidFill>
-                <a:latin typeface="Menlo Regular"/>
-                <a:ea typeface="Menlo Regular"/>
-                <a:cs typeface="Menlo Regular"/>
-                <a:sym typeface="Courier New"/>
-              </a:rPr>
-              <a:t>=</a:t>
-            </a:r>
-            <a:r>
-              <a:rPr lang="en" sz="1400" dirty="0">
-                <a:solidFill>
-                  <a:srgbClr val="000000"/>
-                </a:solidFill>
-                <a:latin typeface="Menlo Regular"/>
-                <a:ea typeface="Menlo Regular"/>
-                <a:cs typeface="Menlo Regular"/>
-                <a:sym typeface="Courier New"/>
-              </a:rPr>
-              <a:t> </a:t>
-            </a:r>
-            <a:r>
-              <a:rPr lang="en" sz="1400" dirty="0">
-                <a:solidFill>
-                  <a:srgbClr val="DD1144"/>
-                </a:solidFill>
-                <a:latin typeface="Menlo Regular"/>
-                <a:ea typeface="Menlo Regular"/>
-                <a:cs typeface="Menlo Regular"/>
-                <a:sym typeface="Courier New"/>
-              </a:rPr>
-              <a:t>'mug'</a:t>
-            </a:r>
-          </a:p>
-          <a:p>
-            <a:pPr lvl="0" rtl="0">
-              <a:lnSpc>
-                <a:spcPct val="115000"/>
-              </a:lnSpc>
-              <a:spcBef>
-                <a:spcPts val="0"/>
-              </a:spcBef>
-              <a:buNone/>
-            </a:pPr>
-            <a:r>
-              <a:rPr lang="en" sz="1400" dirty="0">
-                <a:solidFill>
-                  <a:srgbClr val="000000"/>
-                </a:solidFill>
-                <a:latin typeface="Menlo Regular"/>
-                <a:ea typeface="Menlo Regular"/>
-                <a:cs typeface="Menlo Regular"/>
-                <a:sym typeface="Courier New"/>
-              </a:rPr>
-              <a:t>    </a:t>
-            </a:r>
-            <a:r>
-              <a:rPr lang="en" sz="1400" dirty="0">
-                <a:solidFill>
-                  <a:srgbClr val="008080"/>
-                </a:solidFill>
-                <a:latin typeface="Menlo Regular"/>
-                <a:ea typeface="Menlo Regular"/>
-                <a:cs typeface="Menlo Regular"/>
-                <a:sym typeface="Courier New"/>
-              </a:rPr>
-              <a:t>@material</a:t>
-            </a:r>
-            <a:r>
-              <a:rPr lang="en" sz="1400" dirty="0">
-                <a:solidFill>
-                  <a:srgbClr val="000000"/>
-                </a:solidFill>
-                <a:latin typeface="Menlo Regular"/>
-                <a:ea typeface="Menlo Regular"/>
-                <a:cs typeface="Menlo Regular"/>
-                <a:sym typeface="Courier New"/>
-              </a:rPr>
-              <a:t> </a:t>
-            </a:r>
-            <a:r>
-              <a:rPr lang="en" sz="1400" b="1" dirty="0">
-                <a:solidFill>
-                  <a:srgbClr val="000000"/>
-                </a:solidFill>
-                <a:latin typeface="Menlo Regular"/>
-                <a:ea typeface="Menlo Regular"/>
-                <a:cs typeface="Menlo Regular"/>
-                <a:sym typeface="Courier New"/>
-              </a:rPr>
-              <a:t>=</a:t>
-            </a:r>
-            <a:r>
-              <a:rPr lang="en" sz="1400" dirty="0">
-                <a:solidFill>
-                  <a:srgbClr val="000000"/>
-                </a:solidFill>
-                <a:latin typeface="Menlo Regular"/>
-                <a:ea typeface="Menlo Regular"/>
-                <a:cs typeface="Menlo Regular"/>
-                <a:sym typeface="Courier New"/>
-              </a:rPr>
-              <a:t> </a:t>
-            </a:r>
-            <a:r>
-              <a:rPr lang="en" sz="1400" dirty="0">
-                <a:solidFill>
-                  <a:srgbClr val="DD1144"/>
-                </a:solidFill>
-                <a:latin typeface="Menlo Regular"/>
-                <a:ea typeface="Menlo Regular"/>
-                <a:cs typeface="Menlo Regular"/>
-                <a:sym typeface="Courier New"/>
-              </a:rPr>
-              <a:t>'ceramic'</a:t>
-            </a:r>
-          </a:p>
-          <a:p>
-            <a:pPr lvl="0" rtl="0">
-              <a:lnSpc>
-                <a:spcPct val="115000"/>
-              </a:lnSpc>
-              <a:spcBef>
-                <a:spcPts val="0"/>
-              </a:spcBef>
-              <a:buNone/>
-            </a:pPr>
-            <a:r>
-              <a:rPr lang="en" sz="1400" dirty="0">
-                <a:solidFill>
-                  <a:srgbClr val="009999"/>
-                </a:solidFill>
-                <a:latin typeface="Menlo Regular"/>
-                <a:ea typeface="Menlo Regular"/>
-                <a:cs typeface="Menlo Regular"/>
-                <a:sym typeface="Courier New"/>
-              </a:rPr>
-              <a:t>    @flavor </a:t>
-            </a:r>
-            <a:r>
-              <a:rPr lang="en" sz="1400" b="1" dirty="0">
-                <a:solidFill>
-                  <a:srgbClr val="000000"/>
-                </a:solidFill>
-                <a:latin typeface="Menlo Regular"/>
-                <a:ea typeface="Menlo Regular"/>
-                <a:cs typeface="Menlo Regular"/>
-                <a:sym typeface="Courier New"/>
-              </a:rPr>
-              <a:t>=</a:t>
-            </a:r>
-            <a:r>
-              <a:rPr lang="en" sz="1400" dirty="0">
-                <a:solidFill>
-                  <a:srgbClr val="000000"/>
-                </a:solidFill>
-                <a:latin typeface="Menlo Regular"/>
-                <a:ea typeface="Menlo Regular"/>
-                <a:cs typeface="Menlo Regular"/>
-                <a:sym typeface="Courier New"/>
-              </a:rPr>
-              <a:t> </a:t>
-            </a:r>
-            <a:r>
-              <a:rPr lang="en" sz="1400" dirty="0">
-                <a:solidFill>
-                  <a:srgbClr val="DD1144"/>
-                </a:solidFill>
-                <a:latin typeface="Menlo Regular"/>
-                <a:ea typeface="Menlo Regular"/>
-                <a:cs typeface="Menlo Regular"/>
-                <a:sym typeface="Courier New"/>
-              </a:rPr>
-              <a:t>'sumatran'</a:t>
-            </a:r>
-            <a:r>
-              <a:rPr lang="en" sz="1400" dirty="0">
-                <a:solidFill>
-                  <a:srgbClr val="009999"/>
-                </a:solidFill>
-                <a:latin typeface="Menlo Regular"/>
-                <a:ea typeface="Menlo Regular"/>
-                <a:cs typeface="Menlo Regular"/>
-                <a:sym typeface="Courier New"/>
-              </a:rPr>
-              <a:t> </a:t>
-            </a:r>
-          </a:p>
-          <a:p>
-            <a:pPr lvl="0" rtl="0">
-              <a:lnSpc>
-                <a:spcPct val="115000"/>
-              </a:lnSpc>
-              <a:spcBef>
-                <a:spcPts val="0"/>
-              </a:spcBef>
-              <a:buNone/>
-            </a:pPr>
-            <a:r>
-              <a:rPr lang="en" sz="1400" dirty="0">
-                <a:solidFill>
-                  <a:srgbClr val="000000"/>
-                </a:solidFill>
-                <a:latin typeface="Menlo Regular"/>
-                <a:ea typeface="Menlo Regular"/>
-                <a:cs typeface="Menlo Regular"/>
-                <a:sym typeface="Courier New"/>
-              </a:rPr>
-              <a:t>  </a:t>
-            </a:r>
-            <a:r>
-              <a:rPr lang="en" sz="1400" b="1" dirty="0">
-                <a:solidFill>
-                  <a:srgbClr val="000000"/>
-                </a:solidFill>
-                <a:latin typeface="Menlo Regular"/>
-                <a:ea typeface="Menlo Regular"/>
-                <a:cs typeface="Menlo Regular"/>
-                <a:sym typeface="Courier New"/>
-              </a:rPr>
-              <a:t>end</a:t>
-            </a:r>
-          </a:p>
-          <a:p>
-            <a:pPr lvl="0" rtl="0">
-              <a:lnSpc>
-                <a:spcPct val="115000"/>
-              </a:lnSpc>
-              <a:spcBef>
-                <a:spcPts val="0"/>
-              </a:spcBef>
-              <a:buNone/>
-            </a:pPr>
-            <a:r>
-              <a:rPr lang="en" sz="1400" dirty="0">
-                <a:solidFill>
-                  <a:srgbClr val="000000"/>
-                </a:solidFill>
-                <a:latin typeface="Menlo Regular"/>
-                <a:ea typeface="Menlo Regular"/>
-                <a:cs typeface="Menlo Regular"/>
-                <a:sym typeface="Courier New"/>
-              </a:rPr>
-              <a:t>  </a:t>
-            </a:r>
-          </a:p>
-          <a:p>
-            <a:pPr lvl="0" rtl="0">
-              <a:lnSpc>
-                <a:spcPct val="115000"/>
-              </a:lnSpc>
-              <a:spcBef>
-                <a:spcPts val="0"/>
-              </a:spcBef>
-              <a:buNone/>
-            </a:pPr>
-            <a:r>
-              <a:rPr lang="en" sz="1400" dirty="0">
-                <a:solidFill>
-                  <a:srgbClr val="000000"/>
-                </a:solidFill>
-                <a:latin typeface="Menlo Regular"/>
-                <a:ea typeface="Menlo Regular"/>
-                <a:cs typeface="Menlo Regular"/>
-                <a:sym typeface="Courier New"/>
-              </a:rPr>
-              <a:t>  </a:t>
-            </a:r>
-            <a:r>
-              <a:rPr lang="en" sz="1400" b="1" dirty="0">
-                <a:solidFill>
-                  <a:srgbClr val="000000"/>
-                </a:solidFill>
-                <a:latin typeface="Menlo Regular"/>
-                <a:ea typeface="Menlo Regular"/>
-                <a:cs typeface="Menlo Regular"/>
-                <a:sym typeface="Courier New"/>
-              </a:rPr>
-              <a:t>def</a:t>
-            </a:r>
-            <a:r>
-              <a:rPr lang="en" sz="1400" dirty="0">
-                <a:solidFill>
-                  <a:srgbClr val="000000"/>
-                </a:solidFill>
-                <a:latin typeface="Menlo Regular"/>
-                <a:ea typeface="Menlo Regular"/>
-                <a:cs typeface="Menlo Regular"/>
-                <a:sym typeface="Courier New"/>
-              </a:rPr>
-              <a:t> </a:t>
-            </a:r>
-            <a:r>
-              <a:rPr lang="en" sz="1400" b="1" dirty="0">
-                <a:solidFill>
-                  <a:srgbClr val="990000"/>
-                </a:solidFill>
-                <a:latin typeface="Menlo Regular"/>
-                <a:ea typeface="Menlo Regular"/>
-                <a:cs typeface="Menlo Regular"/>
-                <a:sym typeface="Courier New"/>
-              </a:rPr>
-              <a:t>get_flavor</a:t>
-            </a:r>
-          </a:p>
-          <a:p>
-            <a:pPr lvl="0" rtl="0">
-              <a:lnSpc>
-                <a:spcPct val="115000"/>
-              </a:lnSpc>
-              <a:spcBef>
-                <a:spcPts val="0"/>
-              </a:spcBef>
-              <a:buNone/>
-            </a:pPr>
-            <a:r>
-              <a:rPr lang="en" sz="1400" dirty="0">
-                <a:solidFill>
-                  <a:srgbClr val="000000"/>
-                </a:solidFill>
-                <a:latin typeface="Menlo Regular"/>
-                <a:ea typeface="Menlo Regular"/>
-                <a:cs typeface="Menlo Regular"/>
-                <a:sym typeface="Courier New"/>
-              </a:rPr>
-              <a:t>    </a:t>
-            </a:r>
-            <a:r>
-              <a:rPr lang="en" sz="1400" dirty="0">
-                <a:solidFill>
-                  <a:srgbClr val="008080"/>
-                </a:solidFill>
-                <a:latin typeface="Menlo Regular"/>
-                <a:ea typeface="Menlo Regular"/>
-                <a:cs typeface="Menlo Regular"/>
-                <a:sym typeface="Courier New"/>
-              </a:rPr>
-              <a:t>@flavor</a:t>
-            </a:r>
-          </a:p>
-          <a:p>
-            <a:pPr lvl="0" rtl="0">
-              <a:lnSpc>
-                <a:spcPct val="115000"/>
-              </a:lnSpc>
-              <a:spcBef>
-                <a:spcPts val="0"/>
-              </a:spcBef>
-              <a:buNone/>
-            </a:pPr>
-            <a:r>
-              <a:rPr lang="en" sz="1400" dirty="0">
-                <a:solidFill>
-                  <a:srgbClr val="000000"/>
-                </a:solidFill>
-                <a:latin typeface="Menlo Regular"/>
-                <a:ea typeface="Menlo Regular"/>
-                <a:cs typeface="Menlo Regular"/>
-                <a:sym typeface="Courier New"/>
-              </a:rPr>
-              <a:t>  </a:t>
-            </a:r>
-            <a:r>
-              <a:rPr lang="en" sz="1400" b="1" dirty="0">
-                <a:solidFill>
-                  <a:srgbClr val="000000"/>
-                </a:solidFill>
-                <a:latin typeface="Menlo Regular"/>
-                <a:ea typeface="Menlo Regular"/>
-                <a:cs typeface="Menlo Regular"/>
-                <a:sym typeface="Courier New"/>
-              </a:rPr>
-              <a:t>end</a:t>
-            </a:r>
-          </a:p>
-          <a:p>
-            <a:pPr lvl="0" rtl="0">
-              <a:lnSpc>
-                <a:spcPct val="115000"/>
-              </a:lnSpc>
-              <a:spcBef>
-                <a:spcPts val="0"/>
-              </a:spcBef>
-              <a:buNone/>
-            </a:pPr>
-            <a:r>
-              <a:rPr lang="en" sz="1400" dirty="0">
-                <a:solidFill>
-                  <a:srgbClr val="000000"/>
-                </a:solidFill>
-                <a:latin typeface="Menlo Regular"/>
-                <a:ea typeface="Menlo Regular"/>
-                <a:cs typeface="Menlo Regular"/>
-                <a:sym typeface="Courier New"/>
-              </a:rPr>
-              <a:t>  </a:t>
-            </a:r>
-          </a:p>
-          <a:p>
-            <a:pPr lvl="0" rtl="0">
-              <a:lnSpc>
-                <a:spcPct val="115000"/>
-              </a:lnSpc>
-              <a:spcBef>
-                <a:spcPts val="0"/>
-              </a:spcBef>
-              <a:buNone/>
-            </a:pPr>
-            <a:r>
-              <a:rPr lang="en" sz="1400" b="1" dirty="0">
-                <a:solidFill>
-                  <a:srgbClr val="000000"/>
-                </a:solidFill>
-                <a:latin typeface="Menlo Regular"/>
-                <a:ea typeface="Menlo Regular"/>
-                <a:cs typeface="Menlo Regular"/>
-                <a:sym typeface="Courier New"/>
-              </a:rPr>
-              <a:t>end</a:t>
-            </a:r>
-          </a:p>
-          <a:p>
-            <a:pPr lvl="0" rtl="0">
-              <a:spcBef>
-                <a:spcPts val="0"/>
-              </a:spcBef>
-              <a:buNone/>
-            </a:pPr>
-            <a:endParaRPr dirty="0"/>
-          </a:p>
-        </p:txBody>
-      </p:sp>
-      <p:sp>
-        <p:nvSpPr>
-          <p:cNvPr id="166" name="Shape 166"/>
-          <p:cNvSpPr txBox="1"/>
-          <p:nvPr/>
-        </p:nvSpPr>
-        <p:spPr>
-          <a:xfrm>
-            <a:off x="457200" y="5453213"/>
-            <a:ext cx="8387717" cy="960599"/>
-          </a:xfrm>
-          <a:prstGeom prst="rect">
-            <a:avLst/>
-          </a:prstGeom>
-          <a:noFill/>
-          <a:ln>
-            <a:noFill/>
-          </a:ln>
-        </p:spPr>
-        <p:txBody>
-          <a:bodyPr lIns="91425" tIns="91425" rIns="91425" bIns="91425" anchor="t" anchorCtr="0">
-            <a:noAutofit/>
-          </a:bodyPr>
-          <a:lstStyle/>
-          <a:p>
-            <a:pPr lvl="0" rtl="0">
-              <a:spcBef>
-                <a:spcPts val="0"/>
-              </a:spcBef>
-              <a:buNone/>
-            </a:pPr>
-            <a:r>
-              <a:rPr lang="en" sz="1800" dirty="0">
-                <a:latin typeface="Menlo Regular"/>
-                <a:ea typeface="Menlo Regular"/>
-                <a:cs typeface="Menlo Regular"/>
-                <a:sym typeface="Courier New"/>
-              </a:rPr>
-              <a:t>myCoffee </a:t>
-            </a:r>
-            <a:r>
-              <a:rPr lang="en" sz="1800" b="1" dirty="0">
-                <a:latin typeface="Menlo Regular"/>
-                <a:ea typeface="Menlo Regular"/>
-                <a:cs typeface="Menlo Regular"/>
-                <a:sym typeface="Courier New"/>
-              </a:rPr>
-              <a:t>=</a:t>
-            </a:r>
-            <a:r>
-              <a:rPr lang="en" sz="1800" dirty="0">
-                <a:latin typeface="Menlo Regular"/>
-                <a:ea typeface="Menlo Regular"/>
-                <a:cs typeface="Menlo Regular"/>
-                <a:sym typeface="Courier New"/>
-              </a:rPr>
-              <a:t> </a:t>
-            </a:r>
-            <a:r>
-              <a:rPr lang="en" sz="1800" dirty="0">
-                <a:solidFill>
-                  <a:srgbClr val="008080"/>
-                </a:solidFill>
-                <a:latin typeface="Menlo Regular"/>
-                <a:ea typeface="Menlo Regular"/>
-                <a:cs typeface="Menlo Regular"/>
-                <a:sym typeface="Courier New"/>
-              </a:rPr>
-              <a:t>Coffee</a:t>
-            </a:r>
-            <a:r>
-              <a:rPr lang="en" sz="1800" b="1" dirty="0">
-                <a:latin typeface="Menlo Regular"/>
-                <a:ea typeface="Menlo Regular"/>
-                <a:cs typeface="Menlo Regular"/>
-                <a:sym typeface="Courier New"/>
-              </a:rPr>
-              <a:t>.</a:t>
-            </a:r>
-            <a:r>
-              <a:rPr lang="en" sz="1800" dirty="0">
-                <a:latin typeface="Menlo Regular"/>
-                <a:ea typeface="Menlo Regular"/>
-                <a:cs typeface="Menlo Regular"/>
-                <a:sym typeface="Courier New"/>
-              </a:rPr>
-              <a:t>new</a:t>
-            </a:r>
-          </a:p>
-          <a:p>
-            <a:pPr lvl="0" rtl="0">
-              <a:lnSpc>
-                <a:spcPct val="115000"/>
-              </a:lnSpc>
-              <a:spcBef>
-                <a:spcPts val="0"/>
-              </a:spcBef>
-              <a:buNone/>
-            </a:pPr>
-            <a:r>
-              <a:rPr lang="en" sz="1800" dirty="0">
-                <a:solidFill>
-                  <a:srgbClr val="0086B3"/>
-                </a:solidFill>
-                <a:latin typeface="Menlo Regular"/>
-                <a:ea typeface="Menlo Regular"/>
-                <a:cs typeface="Menlo Regular"/>
-                <a:sym typeface="Courier New"/>
-              </a:rPr>
-              <a:t>puts</a:t>
-            </a:r>
-            <a:r>
-              <a:rPr lang="en" sz="1800" dirty="0">
-                <a:latin typeface="Menlo Regular"/>
-                <a:ea typeface="Menlo Regular"/>
-                <a:cs typeface="Menlo Regular"/>
-                <a:sym typeface="Courier New"/>
-              </a:rPr>
-              <a:t> </a:t>
-            </a:r>
-            <a:r>
-              <a:rPr lang="en" sz="1800" dirty="0">
-                <a:solidFill>
-                  <a:srgbClr val="DD1144"/>
-                </a:solidFill>
-                <a:latin typeface="Menlo Regular"/>
-                <a:ea typeface="Menlo Regular"/>
-                <a:cs typeface="Menlo Regular"/>
-                <a:sym typeface="Courier New"/>
-              </a:rPr>
-              <a:t>"The #{</a:t>
-            </a:r>
-            <a:r>
-              <a:rPr lang="en" sz="1800" dirty="0">
-                <a:latin typeface="Menlo Regular"/>
-                <a:ea typeface="Menlo Regular"/>
-                <a:cs typeface="Menlo Regular"/>
-                <a:sym typeface="Courier New"/>
-              </a:rPr>
-              <a:t>myCoffee</a:t>
-            </a:r>
-            <a:r>
-              <a:rPr lang="en" sz="1800" b="1" dirty="0">
-                <a:latin typeface="Menlo Regular"/>
-                <a:ea typeface="Menlo Regular"/>
-                <a:cs typeface="Menlo Regular"/>
-                <a:sym typeface="Courier New"/>
-              </a:rPr>
-              <a:t>.</a:t>
-            </a:r>
-            <a:r>
-              <a:rPr lang="en" sz="1800" dirty="0">
-                <a:latin typeface="Menlo Regular"/>
-                <a:ea typeface="Menlo Regular"/>
-                <a:cs typeface="Menlo Regular"/>
-                <a:sym typeface="Courier New"/>
-              </a:rPr>
-              <a:t>get_material</a:t>
-            </a:r>
-            <a:r>
-              <a:rPr lang="en" sz="1800" dirty="0">
-                <a:solidFill>
-                  <a:srgbClr val="DD1144"/>
-                </a:solidFill>
-                <a:latin typeface="Menlo Regular"/>
-                <a:ea typeface="Menlo Regular"/>
-                <a:cs typeface="Menlo Regular"/>
-                <a:sym typeface="Courier New"/>
-              </a:rPr>
-              <a:t>} #{</a:t>
-            </a:r>
-            <a:r>
-              <a:rPr lang="en" sz="1800" dirty="0">
-                <a:latin typeface="Menlo Regular"/>
-                <a:ea typeface="Menlo Regular"/>
-                <a:cs typeface="Menlo Regular"/>
-                <a:sym typeface="Courier New"/>
-              </a:rPr>
-              <a:t>myCoffee</a:t>
-            </a:r>
-            <a:r>
-              <a:rPr lang="en" sz="1800" b="1" dirty="0">
-                <a:latin typeface="Menlo Regular"/>
-                <a:ea typeface="Menlo Regular"/>
-                <a:cs typeface="Menlo Regular"/>
-                <a:sym typeface="Courier New"/>
-              </a:rPr>
-              <a:t>.</a:t>
-            </a:r>
-            <a:r>
-              <a:rPr lang="en" sz="1800" dirty="0">
-                <a:latin typeface="Menlo Regular"/>
-                <a:ea typeface="Menlo Regular"/>
-                <a:cs typeface="Menlo Regular"/>
-                <a:sym typeface="Courier New"/>
-              </a:rPr>
-              <a:t>get_container</a:t>
-            </a:r>
-            <a:r>
-              <a:rPr lang="en" sz="1800" dirty="0">
-                <a:solidFill>
-                  <a:srgbClr val="DD1144"/>
-                </a:solidFill>
-                <a:latin typeface="Menlo Regular"/>
-                <a:ea typeface="Menlo Regular"/>
-                <a:cs typeface="Menlo Regular"/>
-                <a:sym typeface="Courier New"/>
-              </a:rPr>
-              <a:t>} has #{</a:t>
-            </a:r>
-            <a:r>
-              <a:rPr lang="en" sz="1800" dirty="0">
-                <a:latin typeface="Menlo Regular"/>
-                <a:ea typeface="Menlo Regular"/>
-                <a:cs typeface="Menlo Regular"/>
-                <a:sym typeface="Courier New"/>
-              </a:rPr>
-              <a:t>myCoffee</a:t>
-            </a:r>
-            <a:r>
-              <a:rPr lang="en" sz="1800" b="1" dirty="0">
-                <a:latin typeface="Menlo Regular"/>
-                <a:ea typeface="Menlo Regular"/>
-                <a:cs typeface="Menlo Regular"/>
-                <a:sym typeface="Courier New"/>
-              </a:rPr>
-              <a:t>.</a:t>
-            </a:r>
-            <a:r>
-              <a:rPr lang="en" sz="1800" dirty="0">
-                <a:latin typeface="Menlo Regular"/>
-                <a:ea typeface="Menlo Regular"/>
-                <a:cs typeface="Menlo Regular"/>
-                <a:sym typeface="Courier New"/>
-              </a:rPr>
-              <a:t>get_flavor</a:t>
-            </a:r>
-            <a:r>
-              <a:rPr lang="en" sz="1800" dirty="0">
-                <a:solidFill>
-                  <a:srgbClr val="DD1144"/>
-                </a:solidFill>
-                <a:latin typeface="Menlo Regular"/>
-                <a:ea typeface="Menlo Regular"/>
-                <a:cs typeface="Menlo Regular"/>
-                <a:sym typeface="Courier New"/>
-              </a:rPr>
-              <a:t>} coffee in it."</a:t>
-            </a:r>
-          </a:p>
-          <a:p>
-            <a:pPr>
-              <a:spcBef>
-                <a:spcPts val="0"/>
-              </a:spcBef>
-              <a:buNone/>
-            </a:pPr>
-            <a:endParaRPr sz="1800" dirty="0">
-              <a:latin typeface="Menlo Regular"/>
-              <a:ea typeface="Menlo Regular"/>
-              <a:cs typeface="Menlo Regular"/>
-              <a:sym typeface="Courier New"/>
-            </a:endParaRPr>
-          </a:p>
-        </p:txBody>
-      </p:sp>
-    </p:spTree>
-  </p:cSld>
-  <p:clrMapOvr>
-    <a:masterClrMapping/>
-  </p:clrMapOvr>
-  <p:transition xmlns:p14="http://schemas.microsoft.com/office/powerpoint/2010/main" spd="slow">
-    <p:cut/>
-  </p:transition>
-  <p:timing>
-    <p:tnLst>
-      <p:par>
-        <p:cTn xmlns:p14="http://schemas.microsoft.com/office/powerpoint/2010/main" id="1" dur="indefinite" restart="never" nodeType="tmRoot"/>
-      </p:par>
-    </p:tnLst>
-  </p:timing>
-</p:sld>
-</file>
-
-<file path=ppt/slides/slide22.xml><?xml version="1.0" encoding="utf-8"?>
-<p:sld xmlns:a="http://schemas.openxmlformats.org/drawingml/2006/main" xmlns:r="http://schemas.openxmlformats.org/officeDocument/2006/relationships" xmlns:p="http://schemas.openxmlformats.org/presentationml/2006/main">
-  <p:cSld>
-    <p:spTree>
-      <p:nvGrpSpPr>
-        <p:cNvPr id="1" name="Shape 162"/>
-        <p:cNvGrpSpPr/>
-        <p:nvPr/>
-      </p:nvGrpSpPr>
-      <p:grpSpPr>
-        <a:xfrm>
-          <a:off x="0" y="0"/>
-          <a:ext cx="0" cy="0"/>
-          <a:chOff x="0" y="0"/>
-          <a:chExt cx="0" cy="0"/>
-        </a:xfrm>
-      </p:grpSpPr>
-      <p:sp>
-        <p:nvSpPr>
-          <p:cNvPr id="163" name="Shape 163"/>
-          <p:cNvSpPr txBox="1">
-            <a:spLocks noGrp="1"/>
-          </p:cNvSpPr>
-          <p:nvPr>
-            <p:ph type="title"/>
-          </p:nvPr>
-        </p:nvSpPr>
-        <p:spPr>
-          <a:xfrm>
-            <a:off x="457200" y="274637"/>
-            <a:ext cx="8229600" cy="1143000"/>
-          </a:xfrm>
-          <a:prstGeom prst="rect">
-            <a:avLst/>
-          </a:prstGeom>
-        </p:spPr>
-        <p:txBody>
-          <a:bodyPr lIns="91425" tIns="91425" rIns="91425" bIns="91425" anchor="b" anchorCtr="0">
-            <a:noAutofit/>
-          </a:bodyPr>
-          <a:lstStyle/>
-          <a:p>
-            <a:pPr>
-              <a:spcBef>
-                <a:spcPts val="0"/>
-              </a:spcBef>
-              <a:buNone/>
-            </a:pPr>
-            <a:r>
-              <a:rPr lang="en" sz="7200" dirty="0">
-                <a:solidFill>
-                  <a:srgbClr val="FF0000"/>
-                </a:solidFill>
-                <a:latin typeface="Yanone Kaffeesatz Bold"/>
-                <a:cs typeface="Yanone Kaffeesatz Bold"/>
-                <a:sym typeface="Ubuntu"/>
-              </a:rPr>
-              <a:t>Inheritance</a:t>
-            </a:r>
-          </a:p>
-        </p:txBody>
-      </p:sp>
-      <p:sp>
-        <p:nvSpPr>
-          <p:cNvPr id="166" name="Shape 166"/>
-          <p:cNvSpPr txBox="1"/>
-          <p:nvPr/>
-        </p:nvSpPr>
-        <p:spPr>
-          <a:xfrm>
-            <a:off x="299083" y="2173125"/>
-            <a:ext cx="8387717" cy="1580489"/>
-          </a:xfrm>
-          <a:prstGeom prst="rect">
-            <a:avLst/>
-          </a:prstGeom>
-          <a:noFill/>
-          <a:ln>
-            <a:noFill/>
-          </a:ln>
-        </p:spPr>
-        <p:txBody>
-          <a:bodyPr lIns="91425" tIns="91425" rIns="91425" bIns="91425" anchor="t" anchorCtr="0">
-            <a:noAutofit/>
-          </a:bodyPr>
-          <a:lstStyle/>
-          <a:p>
-            <a:pPr lvl="0" rtl="0">
-              <a:spcBef>
-                <a:spcPts val="0"/>
-              </a:spcBef>
-              <a:buNone/>
-            </a:pPr>
-            <a:r>
-              <a:rPr lang="en" sz="1800" dirty="0">
-                <a:latin typeface="Menlo Regular"/>
-                <a:ea typeface="Menlo Regular"/>
-                <a:cs typeface="Menlo Regular"/>
-                <a:sym typeface="Courier New"/>
-              </a:rPr>
-              <a:t>myCoffee </a:t>
-            </a:r>
-            <a:r>
-              <a:rPr lang="en" sz="1800" b="1" dirty="0">
-                <a:latin typeface="Menlo Regular"/>
-                <a:ea typeface="Menlo Regular"/>
-                <a:cs typeface="Menlo Regular"/>
-                <a:sym typeface="Courier New"/>
-              </a:rPr>
-              <a:t>=</a:t>
-            </a:r>
-            <a:r>
-              <a:rPr lang="en" sz="1800" dirty="0">
-                <a:latin typeface="Menlo Regular"/>
-                <a:ea typeface="Menlo Regular"/>
-                <a:cs typeface="Menlo Regular"/>
-                <a:sym typeface="Courier New"/>
-              </a:rPr>
-              <a:t> </a:t>
-            </a:r>
-            <a:r>
-              <a:rPr lang="en" sz="1800" dirty="0">
-                <a:solidFill>
-                  <a:srgbClr val="008080"/>
-                </a:solidFill>
-                <a:latin typeface="Menlo Regular"/>
-                <a:ea typeface="Menlo Regular"/>
-                <a:cs typeface="Menlo Regular"/>
-                <a:sym typeface="Courier New"/>
-              </a:rPr>
-              <a:t>Coffee</a:t>
-            </a:r>
-            <a:r>
-              <a:rPr lang="en" sz="1800" b="1" dirty="0">
-                <a:latin typeface="Menlo Regular"/>
-                <a:ea typeface="Menlo Regular"/>
-                <a:cs typeface="Menlo Regular"/>
-                <a:sym typeface="Courier New"/>
-              </a:rPr>
-              <a:t>.</a:t>
-            </a:r>
-            <a:r>
-              <a:rPr lang="en" sz="1800" dirty="0">
-                <a:latin typeface="Menlo Regular"/>
-                <a:ea typeface="Menlo Regular"/>
-                <a:cs typeface="Menlo Regular"/>
-                <a:sym typeface="Courier New"/>
-              </a:rPr>
-              <a:t>new</a:t>
-            </a:r>
-          </a:p>
-          <a:p>
-            <a:pPr lvl="0" rtl="0">
-              <a:lnSpc>
-                <a:spcPct val="115000"/>
-              </a:lnSpc>
-              <a:spcBef>
-                <a:spcPts val="0"/>
-              </a:spcBef>
-              <a:buNone/>
-            </a:pPr>
-            <a:r>
-              <a:rPr lang="en" sz="1800" dirty="0">
-                <a:solidFill>
-                  <a:srgbClr val="0086B3"/>
-                </a:solidFill>
-                <a:latin typeface="Menlo Regular"/>
-                <a:ea typeface="Menlo Regular"/>
-                <a:cs typeface="Menlo Regular"/>
-                <a:sym typeface="Courier New"/>
-              </a:rPr>
-              <a:t>puts</a:t>
-            </a:r>
-            <a:r>
-              <a:rPr lang="en" sz="1800" dirty="0">
-                <a:latin typeface="Menlo Regular"/>
-                <a:ea typeface="Menlo Regular"/>
-                <a:cs typeface="Menlo Regular"/>
-                <a:sym typeface="Courier New"/>
-              </a:rPr>
-              <a:t> </a:t>
-            </a:r>
-            <a:r>
-              <a:rPr lang="en" sz="1800" dirty="0">
-                <a:solidFill>
-                  <a:srgbClr val="DD1144"/>
-                </a:solidFill>
-                <a:latin typeface="Menlo Regular"/>
-                <a:ea typeface="Menlo Regular"/>
-                <a:cs typeface="Menlo Regular"/>
-                <a:sym typeface="Courier New"/>
-              </a:rPr>
-              <a:t>"The #{</a:t>
-            </a:r>
-            <a:r>
-              <a:rPr lang="en" sz="1800" dirty="0">
-                <a:latin typeface="Menlo Regular"/>
-                <a:ea typeface="Menlo Regular"/>
-                <a:cs typeface="Menlo Regular"/>
-                <a:sym typeface="Courier New"/>
-              </a:rPr>
-              <a:t>myCoffee</a:t>
-            </a:r>
-            <a:r>
-              <a:rPr lang="en" sz="1800" b="1" dirty="0">
-                <a:latin typeface="Menlo Regular"/>
-                <a:ea typeface="Menlo Regular"/>
-                <a:cs typeface="Menlo Regular"/>
-                <a:sym typeface="Courier New"/>
-              </a:rPr>
-              <a:t>.</a:t>
-            </a:r>
-            <a:r>
-              <a:rPr lang="en" sz="1800" dirty="0">
-                <a:latin typeface="Menlo Regular"/>
-                <a:ea typeface="Menlo Regular"/>
-                <a:cs typeface="Menlo Regular"/>
-                <a:sym typeface="Courier New"/>
-              </a:rPr>
-              <a:t>get_material</a:t>
-            </a:r>
-            <a:r>
-              <a:rPr lang="en" sz="1800" dirty="0">
-                <a:solidFill>
-                  <a:srgbClr val="DD1144"/>
-                </a:solidFill>
-                <a:latin typeface="Menlo Regular"/>
-                <a:ea typeface="Menlo Regular"/>
-                <a:cs typeface="Menlo Regular"/>
-                <a:sym typeface="Courier New"/>
-              </a:rPr>
-              <a:t>} #{</a:t>
-            </a:r>
-            <a:r>
-              <a:rPr lang="en" sz="1800" dirty="0">
-                <a:latin typeface="Menlo Regular"/>
-                <a:ea typeface="Menlo Regular"/>
-                <a:cs typeface="Menlo Regular"/>
-                <a:sym typeface="Courier New"/>
-              </a:rPr>
-              <a:t>myCoffee</a:t>
-            </a:r>
-            <a:r>
-              <a:rPr lang="en" sz="1800" b="1" dirty="0">
-                <a:latin typeface="Menlo Regular"/>
-                <a:ea typeface="Menlo Regular"/>
-                <a:cs typeface="Menlo Regular"/>
-                <a:sym typeface="Courier New"/>
-              </a:rPr>
-              <a:t>.</a:t>
-            </a:r>
-            <a:r>
-              <a:rPr lang="en" sz="1800" dirty="0">
-                <a:latin typeface="Menlo Regular"/>
-                <a:ea typeface="Menlo Regular"/>
-                <a:cs typeface="Menlo Regular"/>
-                <a:sym typeface="Courier New"/>
-              </a:rPr>
-              <a:t>get_container</a:t>
-            </a:r>
-            <a:r>
-              <a:rPr lang="en" sz="1800" dirty="0">
-                <a:solidFill>
-                  <a:srgbClr val="DD1144"/>
-                </a:solidFill>
-                <a:latin typeface="Menlo Regular"/>
-                <a:ea typeface="Menlo Regular"/>
-                <a:cs typeface="Menlo Regular"/>
-                <a:sym typeface="Courier New"/>
-              </a:rPr>
-              <a:t>} has #{</a:t>
-            </a:r>
-            <a:r>
-              <a:rPr lang="en" sz="1800" dirty="0">
-                <a:latin typeface="Menlo Regular"/>
-                <a:ea typeface="Menlo Regular"/>
-                <a:cs typeface="Menlo Regular"/>
-                <a:sym typeface="Courier New"/>
-              </a:rPr>
-              <a:t>myCoffee</a:t>
-            </a:r>
-            <a:r>
-              <a:rPr lang="en" sz="1800" b="1" dirty="0">
-                <a:latin typeface="Menlo Regular"/>
-                <a:ea typeface="Menlo Regular"/>
-                <a:cs typeface="Menlo Regular"/>
-                <a:sym typeface="Courier New"/>
-              </a:rPr>
-              <a:t>.</a:t>
-            </a:r>
-            <a:r>
-              <a:rPr lang="en" sz="1800" dirty="0">
-                <a:latin typeface="Menlo Regular"/>
-                <a:ea typeface="Menlo Regular"/>
-                <a:cs typeface="Menlo Regular"/>
-                <a:sym typeface="Courier New"/>
-              </a:rPr>
-              <a:t>get_flavor</a:t>
-            </a:r>
-            <a:r>
-              <a:rPr lang="en" sz="1800" dirty="0">
-                <a:solidFill>
-                  <a:srgbClr val="DD1144"/>
-                </a:solidFill>
-                <a:latin typeface="Menlo Regular"/>
-                <a:ea typeface="Menlo Regular"/>
-                <a:cs typeface="Menlo Regular"/>
-                <a:sym typeface="Courier New"/>
-              </a:rPr>
-              <a:t>} coffee in it."</a:t>
-            </a:r>
-          </a:p>
-          <a:p>
-            <a:pPr>
-              <a:spcBef>
-                <a:spcPts val="0"/>
-              </a:spcBef>
-              <a:buNone/>
-            </a:pPr>
-            <a:endParaRPr sz="1800" dirty="0">
-              <a:latin typeface="Menlo Regular"/>
-              <a:ea typeface="Menlo Regular"/>
-              <a:cs typeface="Menlo Regular"/>
-              <a:sym typeface="Courier New"/>
-            </a:endParaRPr>
-          </a:p>
-        </p:txBody>
-      </p:sp>
-    </p:spTree>
-    <p:extLst>
-      <p:ext uri="{BB962C8B-B14F-4D97-AF65-F5344CB8AC3E}">
-        <p14:creationId xmlns:p14="http://schemas.microsoft.com/office/powerpoint/2010/main" val="2656194063"/>
-      </p:ext>
-    </p:extLst>
-  </p:cSld>
-  <p:clrMapOvr>
-    <a:masterClrMapping/>
-  </p:clrMapOvr>
-  <p:transition xmlns:p14="http://schemas.microsoft.com/office/powerpoint/2010/main" spd="slow">
-    <p:cut/>
-  </p:transition>
-  <p:timing>
-    <p:tnLst>
-      <p:par>
-        <p:cTn xmlns:p14="http://schemas.microsoft.com/office/powerpoint/2010/main" id="1" dur="indefinite" restart="never" nodeType="tmRoot"/>
-      </p:par>
-    </p:tnLst>
-  </p:timing>
-</p:sld>
-</file>
-
-<file path=ppt/slides/slide23.xml><?xml version="1.0" encoding="utf-8"?>
-<p:sld xmlns:a="http://schemas.openxmlformats.org/drawingml/2006/main" xmlns:r="http://schemas.openxmlformats.org/officeDocument/2006/relationships" xmlns:p="http://schemas.openxmlformats.org/presentationml/2006/main">
-  <p:cSld>
-    <p:spTree>
-      <p:nvGrpSpPr>
         <p:cNvPr id="1" name="Shape 182"/>
         <p:cNvGrpSpPr/>
         <p:nvPr/>
@@ -14081,7 +11811,7 @@
 </p:sld>
 </file>
 
-<file path=ppt/slides/slide24.xml><?xml version="1.0" encoding="utf-8"?>
+<file path=ppt/slides/slide22.xml><?xml version="1.0" encoding="utf-8"?>
 <p:sld xmlns:a="http://schemas.openxmlformats.org/drawingml/2006/main" xmlns:r="http://schemas.openxmlformats.org/officeDocument/2006/relationships" xmlns:p="http://schemas.openxmlformats.org/presentationml/2006/main">
   <p:cSld>
     <p:spTree>

--- a/HILT - Programming Concepts III.pptx
+++ b/HILT - Programming Concepts III.pptx
@@ -10323,7 +10323,7 @@
               <a:buNone/>
             </a:pPr>
             <a:r>
-              <a:rPr lang="en" sz="2400" dirty="0">
+              <a:rPr lang="en" sz="2400" dirty="0" smtClean="0">
                 <a:solidFill>
                   <a:schemeClr val="tx1"/>
                 </a:solidFill>
@@ -10332,16 +10332,8 @@
                 <a:cs typeface="Menlo Regular"/>
                 <a:sym typeface="Courier New"/>
               </a:rPr>
-              <a:t>myCoffee.temp!(120)</a:t>
-            </a:r>
-          </a:p>
-          <a:p>
-            <a:pPr lvl="0" rtl="0">
-              <a:spcBef>
-                <a:spcPts val="0"/>
-              </a:spcBef>
-              <a:buNone/>
-            </a:pPr>
+              <a:t>myCoffee.temp!(120</a:t>
+            </a:r>
             <a:r>
               <a:rPr lang="en" sz="2400" dirty="0">
                 <a:solidFill>
@@ -10352,8 +10344,73 @@
                 <a:cs typeface="Menlo Regular"/>
                 <a:sym typeface="Courier New"/>
               </a:rPr>
-              <a:t>puts myCoffee.temp</a:t>
-            </a:r>
+              <a:t>)</a:t>
+            </a:r>
+          </a:p>
+          <a:p>
+            <a:pPr lvl="0" rtl="0">
+              <a:spcBef>
+                <a:spcPts val="0"/>
+              </a:spcBef>
+              <a:buNone/>
+            </a:pPr>
+            <a:r>
+              <a:rPr lang="en" sz="2400" dirty="0">
+                <a:solidFill>
+                  <a:schemeClr val="tx1"/>
+                </a:solidFill>
+                <a:latin typeface="Menlo Regular"/>
+                <a:ea typeface="Menlo Regular"/>
+                <a:cs typeface="Menlo Regular"/>
+                <a:sym typeface="Courier New"/>
+              </a:rPr>
+              <a:t>puts </a:t>
+            </a:r>
+            <a:r>
+              <a:rPr lang="en" sz="2400" dirty="0" smtClean="0">
+                <a:solidFill>
+                  <a:schemeClr val="tx1"/>
+                </a:solidFill>
+                <a:latin typeface="Menlo Regular"/>
+                <a:ea typeface="Menlo Regular"/>
+                <a:cs typeface="Menlo Regular"/>
+                <a:sym typeface="Courier New"/>
+              </a:rPr>
+              <a:t>myCoffee</a:t>
+            </a:r>
+            <a:r>
+              <a:rPr lang="en-US" sz="2400" dirty="0" smtClean="0">
+                <a:solidFill>
+                  <a:schemeClr val="tx1"/>
+                </a:solidFill>
+                <a:latin typeface="Menlo Regular"/>
+                <a:ea typeface="Menlo Regular"/>
+                <a:cs typeface="Menlo Regular"/>
+                <a:sym typeface="Courier New"/>
+              </a:rPr>
+              <a:t>.</a:t>
+            </a:r>
+            <a:r>
+              <a:rPr lang="en-US" sz="2400" dirty="0" err="1" smtClean="0">
+                <a:solidFill>
+                  <a:schemeClr val="tx1"/>
+                </a:solidFill>
+                <a:latin typeface="Menlo Regular"/>
+                <a:ea typeface="Menlo Regular"/>
+                <a:cs typeface="Menlo Regular"/>
+                <a:sym typeface="Courier New"/>
+              </a:rPr>
+              <a:t>display_temp</a:t>
+            </a:r>
+            <a:endParaRPr lang="en" sz="2400" dirty="0">
+              <a:solidFill>
+                <a:schemeClr val="tx1"/>
+              </a:solidFill>
+              <a:latin typeface="Menlo Regular"/>
+              <a:ea typeface="Menlo Regular"/>
+              <a:cs typeface="Menlo Regular"/>
+              <a:sym typeface="Courier New"/>
+            </a:endParaRPr>
           </a:p>
           <a:p>
             <a:pPr lvl="0" rtl="0">
@@ -10409,8 +10466,53 @@
                 <a:cs typeface="Menlo Regular"/>
                 <a:sym typeface="Courier New"/>
               </a:rPr>
-              <a:t>puts yourCoffee.temp</a:t>
-            </a:r>
+              <a:t>puts </a:t>
+            </a:r>
+            <a:r>
+              <a:rPr lang="en" sz="2400" dirty="0" smtClean="0">
+                <a:solidFill>
+                  <a:schemeClr val="tx1"/>
+                </a:solidFill>
+                <a:latin typeface="Menlo Regular"/>
+                <a:ea typeface="Menlo Regular"/>
+                <a:cs typeface="Menlo Regular"/>
+                <a:sym typeface="Courier New"/>
+              </a:rPr>
+              <a:t>yourCoffee.</a:t>
+            </a:r>
+            <a:r>
+              <a:rPr lang="en-US" sz="2400" dirty="0" smtClean="0">
+                <a:solidFill>
+                  <a:schemeClr val="tx1"/>
+                </a:solidFill>
+                <a:latin typeface="Menlo Regular"/>
+                <a:ea typeface="Menlo Regular"/>
+                <a:cs typeface="Menlo Regular"/>
+                <a:sym typeface="Courier New"/>
+              </a:rPr>
+              <a:t>display_</a:t>
+            </a:r>
+            <a:r>
+              <a:rPr lang="en" sz="2400" dirty="0" smtClean="0">
+                <a:solidFill>
+                  <a:schemeClr val="tx1"/>
+                </a:solidFill>
+                <a:latin typeface="Menlo Regular"/>
+                <a:ea typeface="Menlo Regular"/>
+                <a:cs typeface="Menlo Regular"/>
+                <a:sym typeface="Courier New"/>
+              </a:rPr>
+              <a:t>temp</a:t>
+            </a:r>
+            <a:endParaRPr lang="en" sz="2400" dirty="0">
+              <a:solidFill>
+                <a:schemeClr val="tx1"/>
+              </a:solidFill>
+              <a:latin typeface="Menlo Regular"/>
+              <a:ea typeface="Menlo Regular"/>
+              <a:cs typeface="Menlo Regular"/>
+              <a:sym typeface="Courier New"/>
+            </a:endParaRPr>
           </a:p>
         </p:txBody>
       </p:sp>
